--- a/PHI241-philosophy-of-the-mind/lecture-slides/Maslin Chapter 5 Functionalism.pptx
+++ b/PHI241-philosophy-of-the-mind/lecture-slides/Maslin Chapter 5 Functionalism.pptx
@@ -25,9 +25,21 @@
     <p:sldId id="267" r:id="rId19"/>
     <p:sldId id="268" r:id="rId20"/>
     <p:sldId id="269" r:id="rId21"/>
-    <p:sldId id="270" r:id="rId22"/>
-    <p:sldId id="271" r:id="rId23"/>
-    <p:sldId id="272" r:id="rId24"/>
+    <p:sldId id="279" r:id="rId22"/>
+    <p:sldId id="280" r:id="rId23"/>
+    <p:sldId id="281" r:id="rId24"/>
+    <p:sldId id="282" r:id="rId25"/>
+    <p:sldId id="283" r:id="rId26"/>
+    <p:sldId id="284" r:id="rId27"/>
+    <p:sldId id="270" r:id="rId28"/>
+    <p:sldId id="285" r:id="rId29"/>
+    <p:sldId id="286" r:id="rId30"/>
+    <p:sldId id="287" r:id="rId31"/>
+    <p:sldId id="288" r:id="rId32"/>
+    <p:sldId id="289" r:id="rId33"/>
+    <p:sldId id="290" r:id="rId34"/>
+    <p:sldId id="271" r:id="rId35"/>
+    <p:sldId id="272" r:id="rId36"/>
   </p:sldIdLst>
   <p:sldSz cx="9144000" cy="6858000" type="screen4x3"/>
   <p:notesSz cx="6858000" cy="9144000"/>
@@ -128,7 +140,7 @@
   </p:defaultTextStyle>
   <p:extLst>
     <p:ext uri="{EFAFB233-063F-42B5-8137-9DF3F51BA10A}">
-      <p15:sldGuideLst xmlns:p15="http://schemas.microsoft.com/office/powerpoint/2012/main">
+      <p15:sldGuideLst xmlns:p15="http://schemas.microsoft.com/office/powerpoint/2012/main" xmlns="">
         <p15:guide id="1" orient="horz" pos="2160">
           <p15:clr>
             <a:srgbClr val="A4A3A4"/>
@@ -324,7 +336,7 @@
           <a:p>
             <a:fld id="{17B03B05-C010-4AC8-AF78-EB39A4DD0F3C}" type="datetimeFigureOut">
               <a:rPr lang="en-US" smtClean="0"/>
-              <a:t>3/26/2024</a:t>
+              <a:t>3/27/2024</a:t>
             </a:fld>
             <a:endParaRPr lang="en-US"/>
           </a:p>
@@ -492,7 +504,7 @@
           <a:p>
             <a:fld id="{17B03B05-C010-4AC8-AF78-EB39A4DD0F3C}" type="datetimeFigureOut">
               <a:rPr lang="en-US" smtClean="0"/>
-              <a:t>3/26/2024</a:t>
+              <a:t>3/27/2024</a:t>
             </a:fld>
             <a:endParaRPr lang="en-US"/>
           </a:p>
@@ -670,7 +682,7 @@
           <a:p>
             <a:fld id="{17B03B05-C010-4AC8-AF78-EB39A4DD0F3C}" type="datetimeFigureOut">
               <a:rPr lang="en-US" smtClean="0"/>
-              <a:t>3/26/2024</a:t>
+              <a:t>3/27/2024</a:t>
             </a:fld>
             <a:endParaRPr lang="en-US"/>
           </a:p>
@@ -838,7 +850,7 @@
           <a:p>
             <a:fld id="{17B03B05-C010-4AC8-AF78-EB39A4DD0F3C}" type="datetimeFigureOut">
               <a:rPr lang="en-US" smtClean="0"/>
-              <a:t>3/26/2024</a:t>
+              <a:t>3/27/2024</a:t>
             </a:fld>
             <a:endParaRPr lang="en-US"/>
           </a:p>
@@ -1083,7 +1095,7 @@
           <a:p>
             <a:fld id="{17B03B05-C010-4AC8-AF78-EB39A4DD0F3C}" type="datetimeFigureOut">
               <a:rPr lang="en-US" smtClean="0"/>
-              <a:t>3/26/2024</a:t>
+              <a:t>3/27/2024</a:t>
             </a:fld>
             <a:endParaRPr lang="en-US"/>
           </a:p>
@@ -1368,7 +1380,7 @@
           <a:p>
             <a:fld id="{17B03B05-C010-4AC8-AF78-EB39A4DD0F3C}" type="datetimeFigureOut">
               <a:rPr lang="en-US" smtClean="0"/>
-              <a:t>3/26/2024</a:t>
+              <a:t>3/27/2024</a:t>
             </a:fld>
             <a:endParaRPr lang="en-US"/>
           </a:p>
@@ -1787,7 +1799,7 @@
           <a:p>
             <a:fld id="{17B03B05-C010-4AC8-AF78-EB39A4DD0F3C}" type="datetimeFigureOut">
               <a:rPr lang="en-US" smtClean="0"/>
-              <a:t>3/26/2024</a:t>
+              <a:t>3/27/2024</a:t>
             </a:fld>
             <a:endParaRPr lang="en-US"/>
           </a:p>
@@ -1904,7 +1916,7 @@
           <a:p>
             <a:fld id="{17B03B05-C010-4AC8-AF78-EB39A4DD0F3C}" type="datetimeFigureOut">
               <a:rPr lang="en-US" smtClean="0"/>
-              <a:t>3/26/2024</a:t>
+              <a:t>3/27/2024</a:t>
             </a:fld>
             <a:endParaRPr lang="en-US"/>
           </a:p>
@@ -1999,7 +2011,7 @@
           <a:p>
             <a:fld id="{17B03B05-C010-4AC8-AF78-EB39A4DD0F3C}" type="datetimeFigureOut">
               <a:rPr lang="en-US" smtClean="0"/>
-              <a:t>3/26/2024</a:t>
+              <a:t>3/27/2024</a:t>
             </a:fld>
             <a:endParaRPr lang="en-US"/>
           </a:p>
@@ -2274,7 +2286,7 @@
           <a:p>
             <a:fld id="{17B03B05-C010-4AC8-AF78-EB39A4DD0F3C}" type="datetimeFigureOut">
               <a:rPr lang="en-US" smtClean="0"/>
-              <a:t>3/26/2024</a:t>
+              <a:t>3/27/2024</a:t>
             </a:fld>
             <a:endParaRPr lang="en-US"/>
           </a:p>
@@ -2526,7 +2538,7 @@
           <a:p>
             <a:fld id="{17B03B05-C010-4AC8-AF78-EB39A4DD0F3C}" type="datetimeFigureOut">
               <a:rPr lang="en-US" smtClean="0"/>
-              <a:t>3/26/2024</a:t>
+              <a:t>3/27/2024</a:t>
             </a:fld>
             <a:endParaRPr lang="en-US"/>
           </a:p>
@@ -2737,7 +2749,7 @@
           <a:p>
             <a:fld id="{17B03B05-C010-4AC8-AF78-EB39A4DD0F3C}" type="datetimeFigureOut">
               <a:rPr lang="en-US" smtClean="0"/>
-              <a:t>3/26/2024</a:t>
+              <a:t>3/27/2024</a:t>
             </a:fld>
             <a:endParaRPr lang="en-US"/>
           </a:p>
@@ -3135,6 +3147,10 @@
               <a:rPr lang="en-US"/>
               <a:t>Chapter 5</a:t>
             </a:r>
+            <a:r>
+              <a:rPr lang="en-US" dirty="0"/>
+              <a:t/>
+            </a:r>
             <a:br>
               <a:rPr lang="en-US" dirty="0"/>
             </a:br>
@@ -3199,7 +3215,7 @@
           <p:cNvPr id="2" name="Title 1">
             <a:extLst>
               <a:ext uri="{FF2B5EF4-FFF2-40B4-BE49-F238E27FC236}">
-                <a16:creationId xmlns:a16="http://schemas.microsoft.com/office/drawing/2014/main" id="{81E55E68-CE5E-B52A-0B76-C45876A8469F}"/>
+                <a16:creationId xmlns:a16="http://schemas.microsoft.com/office/drawing/2014/main" xmlns="" id="{81E55E68-CE5E-B52A-0B76-C45876A8469F}"/>
               </a:ext>
             </a:extLst>
           </p:cNvPr>
@@ -3227,7 +3243,7 @@
           <p:cNvPr id="3" name="Content Placeholder 2">
             <a:extLst>
               <a:ext uri="{FF2B5EF4-FFF2-40B4-BE49-F238E27FC236}">
-                <a16:creationId xmlns:a16="http://schemas.microsoft.com/office/drawing/2014/main" id="{A5C6FAC8-F38B-EA1E-AEEC-5EBBB2946E86}"/>
+                <a16:creationId xmlns:a16="http://schemas.microsoft.com/office/drawing/2014/main" xmlns="" id="{A5C6FAC8-F38B-EA1E-AEEC-5EBBB2946E86}"/>
               </a:ext>
             </a:extLst>
           </p:cNvPr>
@@ -3315,7 +3331,7 @@
           <p:cNvPr id="2" name="Title 1">
             <a:extLst>
               <a:ext uri="{FF2B5EF4-FFF2-40B4-BE49-F238E27FC236}">
-                <a16:creationId xmlns:a16="http://schemas.microsoft.com/office/drawing/2014/main" id="{339EB57F-1572-F998-3BCC-65583C37473C}"/>
+                <a16:creationId xmlns:a16="http://schemas.microsoft.com/office/drawing/2014/main" xmlns="" id="{339EB57F-1572-F998-3BCC-65583C37473C}"/>
               </a:ext>
             </a:extLst>
           </p:cNvPr>
@@ -3343,7 +3359,7 @@
           <p:cNvPr id="3" name="Content Placeholder 2">
             <a:extLst>
               <a:ext uri="{FF2B5EF4-FFF2-40B4-BE49-F238E27FC236}">
-                <a16:creationId xmlns:a16="http://schemas.microsoft.com/office/drawing/2014/main" id="{1E0A22AC-C087-A63F-4046-E4520F0891DA}"/>
+                <a16:creationId xmlns:a16="http://schemas.microsoft.com/office/drawing/2014/main" xmlns="" id="{1E0A22AC-C087-A63F-4046-E4520F0891DA}"/>
               </a:ext>
             </a:extLst>
           </p:cNvPr>
@@ -3356,7 +3372,9 @@
         </p:nvSpPr>
         <p:spPr/>
         <p:txBody>
-          <a:bodyPr/>
+          <a:bodyPr>
+            <a:normAutofit fontScale="85000" lnSpcReduction="10000"/>
+          </a:bodyPr>
           <a:lstStyle/>
           <a:p>
             <a:pPr marL="1371600" lvl="3" indent="0">
@@ -3427,8 +3445,28 @@
             </a:pPr>
             <a:r>
               <a:rPr lang="en-US" dirty="0"/>
-              <a:t>If we considered the Coke machine a mental system, it would consist of two mental states: S1 = dime desire; S2 = nickel desire</a:t>
-            </a:r>
+              <a:t>If we considered the Coke machine a mental system, it would consist of two mental states: S1 = dime desire; S2 = nickel </a:t>
+            </a:r>
+            <a:r>
+              <a:rPr lang="en-US" dirty="0" smtClean="0"/>
+              <a:t>desire</a:t>
+            </a:r>
+          </a:p>
+          <a:p>
+            <a:pPr marL="1371600" lvl="3" indent="0">
+              <a:buNone/>
+            </a:pPr>
+            <a:endParaRPr lang="en-US" dirty="0"/>
+          </a:p>
+          <a:p>
+            <a:pPr marL="1371600" lvl="3" indent="0">
+              <a:buNone/>
+            </a:pPr>
+            <a:r>
+              <a:rPr lang="en-US" dirty="0" smtClean="0"/>
+              <a:t>Inputs and outputs are specified explicitly, but internal states (S1 and S2) specified only implicitly, i.e., only by the set of transition probabilities given in the machine table.  S1 and S2 can have any natures (even non-physical natures) so long as those natures connect the states to each other and to the inputs and outputs specified in the machine table.  (Block) </a:t>
+            </a:r>
+            <a:endParaRPr lang="en-US" dirty="0"/>
           </a:p>
         </p:txBody>
       </p:sp>
@@ -3467,7 +3505,7 @@
           <p:cNvPr id="2" name="Title 1">
             <a:extLst>
               <a:ext uri="{FF2B5EF4-FFF2-40B4-BE49-F238E27FC236}">
-                <a16:creationId xmlns:a16="http://schemas.microsoft.com/office/drawing/2014/main" id="{DF00C11F-4309-8C5E-149E-C7EB6C8869B6}"/>
+                <a16:creationId xmlns:a16="http://schemas.microsoft.com/office/drawing/2014/main" xmlns="" id="{DF00C11F-4309-8C5E-149E-C7EB6C8869B6}"/>
               </a:ext>
             </a:extLst>
           </p:cNvPr>
@@ -3495,7 +3533,7 @@
           <p:cNvPr id="3" name="Content Placeholder 2">
             <a:extLst>
               <a:ext uri="{FF2B5EF4-FFF2-40B4-BE49-F238E27FC236}">
-                <a16:creationId xmlns:a16="http://schemas.microsoft.com/office/drawing/2014/main" id="{11119567-D1A9-EF2C-35D6-880DDD6BC0EB}"/>
+                <a16:creationId xmlns:a16="http://schemas.microsoft.com/office/drawing/2014/main" xmlns="" id="{11119567-D1A9-EF2C-35D6-880DDD6BC0EB}"/>
               </a:ext>
             </a:extLst>
           </p:cNvPr>
@@ -3591,7 +3629,7 @@
           <p:cNvPr id="2" name="Title 1">
             <a:extLst>
               <a:ext uri="{FF2B5EF4-FFF2-40B4-BE49-F238E27FC236}">
-                <a16:creationId xmlns:a16="http://schemas.microsoft.com/office/drawing/2014/main" id="{1D2F5A43-F5F9-00BB-0283-1E2A7770E1FD}"/>
+                <a16:creationId xmlns:a16="http://schemas.microsoft.com/office/drawing/2014/main" xmlns="" id="{1D2F5A43-F5F9-00BB-0283-1E2A7770E1FD}"/>
               </a:ext>
             </a:extLst>
           </p:cNvPr>
@@ -3619,7 +3657,7 @@
           <p:cNvPr id="3" name="Content Placeholder 2">
             <a:extLst>
               <a:ext uri="{FF2B5EF4-FFF2-40B4-BE49-F238E27FC236}">
-                <a16:creationId xmlns:a16="http://schemas.microsoft.com/office/drawing/2014/main" id="{229B59AF-4356-12CE-A280-EB8DC059EA81}"/>
+                <a16:creationId xmlns:a16="http://schemas.microsoft.com/office/drawing/2014/main" xmlns="" id="{229B59AF-4356-12CE-A280-EB8DC059EA81}"/>
               </a:ext>
             </a:extLst>
           </p:cNvPr>
@@ -3703,7 +3741,7 @@
           <p:cNvPr id="2" name="Title 1">
             <a:extLst>
               <a:ext uri="{FF2B5EF4-FFF2-40B4-BE49-F238E27FC236}">
-                <a16:creationId xmlns:a16="http://schemas.microsoft.com/office/drawing/2014/main" id="{5BBF773B-2B73-73DF-BF30-DE0D2D3A67ED}"/>
+                <a16:creationId xmlns:a16="http://schemas.microsoft.com/office/drawing/2014/main" xmlns="" id="{5BBF773B-2B73-73DF-BF30-DE0D2D3A67ED}"/>
               </a:ext>
             </a:extLst>
           </p:cNvPr>
@@ -3731,7 +3769,7 @@
           <p:cNvPr id="3" name="Content Placeholder 2">
             <a:extLst>
               <a:ext uri="{FF2B5EF4-FFF2-40B4-BE49-F238E27FC236}">
-                <a16:creationId xmlns:a16="http://schemas.microsoft.com/office/drawing/2014/main" id="{12E1203C-640E-9E1B-C047-1CF2AABC5D48}"/>
+                <a16:creationId xmlns:a16="http://schemas.microsoft.com/office/drawing/2014/main" xmlns="" id="{12E1203C-640E-9E1B-C047-1CF2AABC5D48}"/>
               </a:ext>
             </a:extLst>
           </p:cNvPr>
@@ -3809,7 +3847,7 @@
           <p:cNvPr id="2" name="Title 1">
             <a:extLst>
               <a:ext uri="{FF2B5EF4-FFF2-40B4-BE49-F238E27FC236}">
-                <a16:creationId xmlns:a16="http://schemas.microsoft.com/office/drawing/2014/main" id="{BE733983-5AD8-3699-855C-E7E3FCA8030D}"/>
+                <a16:creationId xmlns:a16="http://schemas.microsoft.com/office/drawing/2014/main" xmlns="" id="{BE733983-5AD8-3699-855C-E7E3FCA8030D}"/>
               </a:ext>
             </a:extLst>
           </p:cNvPr>
@@ -3837,7 +3875,7 @@
           <p:cNvPr id="3" name="Content Placeholder 2">
             <a:extLst>
               <a:ext uri="{FF2B5EF4-FFF2-40B4-BE49-F238E27FC236}">
-                <a16:creationId xmlns:a16="http://schemas.microsoft.com/office/drawing/2014/main" id="{F4A9248D-0AD8-A192-C6DC-EC5B82CF0EE4}"/>
+                <a16:creationId xmlns:a16="http://schemas.microsoft.com/office/drawing/2014/main" xmlns="" id="{F4A9248D-0AD8-A192-C6DC-EC5B82CF0EE4}"/>
               </a:ext>
             </a:extLst>
           </p:cNvPr>
@@ -4114,6 +4152,13 @@
   <p:clrMapOvr>
     <a:masterClrMapping/>
   </p:clrMapOvr>
+  <p:timing>
+    <p:tnLst>
+      <p:par>
+        <p:cTn id="1" dur="indefinite" restart="never" nodeType="tmRoot"/>
+      </p:par>
+    </p:tnLst>
+  </p:timing>
 </p:sld>
 </file>
 
@@ -4211,6 +4256,13 @@
   <p:clrMapOvr>
     <a:masterClrMapping/>
   </p:clrMapOvr>
+  <p:timing>
+    <p:tnLst>
+      <p:par>
+        <p:cTn id="1" dur="indefinite" restart="never" nodeType="tmRoot"/>
+      </p:par>
+    </p:tnLst>
+  </p:timing>
 </p:sld>
 </file>
 
@@ -4266,22 +4318,13 @@
         <p:spPr/>
         <p:txBody>
           <a:bodyPr>
-            <a:normAutofit fontScale="92500" lnSpcReduction="10000"/>
+            <a:normAutofit fontScale="85000" lnSpcReduction="20000"/>
           </a:bodyPr>
           <a:lstStyle/>
           <a:p>
             <a:pPr marL="0" indent="0">
               <a:buNone/>
             </a:pPr>
-            <a:r>
-              <a:rPr lang="en-US" dirty="0"/>
-              <a:t>Liberalism: Functionalism attributes mental states to things that don’t have them.</a:t>
-            </a:r>
-          </a:p>
-          <a:p>
-            <a:pPr marL="0" indent="0">
-              <a:buNone/>
-            </a:pPr>
             <a:endParaRPr lang="en-US" dirty="0"/>
           </a:p>
           <a:p>
@@ -4299,17 +4342,53 @@
             </a:pPr>
             <a:r>
               <a:rPr lang="en-US" dirty="0"/>
-              <a:t>	1. Qualia – the subjectivity and privacy of 	mental states like sensations </a:t>
-            </a:r>
-          </a:p>
-          <a:p>
-            <a:pPr marL="0" indent="0">
-              <a:buNone/>
-            </a:pPr>
-            <a:r>
-              <a:rPr lang="en-US" dirty="0"/>
-              <a:t>	2. Intentionality – that mental states like 	beliefs, desires, and emotions are about 	certain things</a:t>
-            </a:r>
+              <a:t>	1. Qualia – the subjectivity and privacy of 	mental states like </a:t>
+            </a:r>
+            <a:r>
+              <a:rPr lang="en-US" dirty="0"/>
+              <a:t>sensations. </a:t>
+            </a:r>
+            <a:r>
+              <a:rPr lang="en-US" dirty="0" smtClean="0"/>
+              <a:t>Functionalism is 	either guilty of “liberalism” by attributing </a:t>
+            </a:r>
+            <a:r>
+              <a:rPr lang="en-US" dirty="0"/>
+              <a:t>mental </a:t>
+            </a:r>
+            <a:r>
+              <a:rPr lang="en-US" dirty="0" smtClean="0"/>
+              <a:t>	states </a:t>
+            </a:r>
+            <a:r>
+              <a:rPr lang="en-US" dirty="0"/>
+              <a:t>to things that don’t have </a:t>
+            </a:r>
+            <a:r>
+              <a:rPr lang="en-US" dirty="0" smtClean="0"/>
+              <a:t>them or 	“chauvinism” by denying mental states to thing 	that have them. (Block)</a:t>
+            </a:r>
+            <a:endParaRPr lang="en-US" dirty="0"/>
+          </a:p>
+          <a:p>
+            <a:pPr marL="0" indent="0">
+              <a:buNone/>
+            </a:pPr>
+            <a:endParaRPr lang="en-US" dirty="0"/>
+          </a:p>
+          <a:p>
+            <a:pPr marL="0" indent="0">
+              <a:buNone/>
+            </a:pPr>
+            <a:r>
+              <a:rPr lang="en-US" dirty="0"/>
+              <a:t>	2. Intentionality – that mental states like 	beliefs, desires, and emotions are about 	certain </a:t>
+            </a:r>
+            <a:r>
+              <a:rPr lang="en-US" dirty="0" smtClean="0"/>
+              <a:t>things (Maslin, Searle) </a:t>
+            </a:r>
+            <a:endParaRPr lang="en-US" dirty="0"/>
           </a:p>
         </p:txBody>
       </p:sp>
@@ -4323,6 +4402,13 @@
   <p:clrMapOvr>
     <a:masterClrMapping/>
   </p:clrMapOvr>
+  <p:timing>
+    <p:tnLst>
+      <p:par>
+        <p:cTn id="1" dur="indefinite" restart="never" nodeType="tmRoot"/>
+      </p:par>
+    </p:tnLst>
+  </p:timing>
 </p:sld>
 </file>
 
@@ -4469,21 +4555,19 @@
         <p:spPr/>
         <p:txBody>
           <a:bodyPr>
-            <a:normAutofit fontScale="90000"/>
+            <a:normAutofit/>
           </a:bodyPr>
           <a:lstStyle/>
           <a:p>
             <a:r>
-              <a:rPr lang="en-US" dirty="0"/>
-              <a:t>The Chinese Mind Argument: </a:t>
-            </a:r>
-            <a:br>
-              <a:rPr lang="en-US" dirty="0"/>
-            </a:br>
-            <a:r>
-              <a:rPr lang="en-US" dirty="0"/>
-              <a:t>Absent Qualia</a:t>
-            </a:r>
+              <a:rPr lang="en-US" dirty="0" smtClean="0"/>
+              <a:t>Block’s </a:t>
+            </a:r>
+            <a:r>
+              <a:rPr lang="en-US" dirty="0"/>
+              <a:t>Objection to Functionalism</a:t>
+            </a:r>
+            <a:endParaRPr lang="en-US" dirty="0"/>
           </a:p>
         </p:txBody>
       </p:sp>
@@ -4499,16 +4583,40 @@
         </p:nvSpPr>
         <p:spPr/>
         <p:txBody>
-          <a:bodyPr/>
-          <a:lstStyle/>
-          <a:p>
-            <a:pPr marL="0" indent="0">
-              <a:buNone/>
-            </a:pPr>
-            <a:r>
-              <a:rPr lang="en-US" dirty="0"/>
-              <a:t>Block’s Objection to Functionalism</a:t>
-            </a:r>
+          <a:bodyPr>
+            <a:normAutofit fontScale="92500" lnSpcReduction="10000"/>
+          </a:bodyPr>
+          <a:lstStyle/>
+          <a:p>
+            <a:pPr marL="0" indent="0">
+              <a:buNone/>
+            </a:pPr>
+            <a:endParaRPr lang="en-US" dirty="0" smtClean="0"/>
+          </a:p>
+          <a:p>
+            <a:pPr marL="0" indent="0">
+              <a:buNone/>
+            </a:pPr>
+            <a:r>
+              <a:rPr lang="en-US" dirty="0" smtClean="0"/>
+              <a:t>Functionalism is either too liberal because it attributes mental states to systems that do not have them or chauvinistic because it withholds mental state from systems that have them.  </a:t>
+            </a:r>
+          </a:p>
+          <a:p>
+            <a:pPr marL="0" indent="0">
+              <a:buNone/>
+            </a:pPr>
+            <a:endParaRPr lang="en-US" dirty="0"/>
+          </a:p>
+          <a:p>
+            <a:pPr marL="0" indent="0">
+              <a:buNone/>
+            </a:pPr>
+            <a:r>
+              <a:rPr lang="en-US" dirty="0" smtClean="0"/>
+              <a:t>Liberalism is shown by:</a:t>
+            </a:r>
+            <a:endParaRPr lang="en-US" dirty="0"/>
           </a:p>
           <a:p>
             <a:pPr marL="0" indent="0">
@@ -4525,8 +4633,18 @@
             </a:pPr>
             <a:r>
               <a:rPr lang="en-US" dirty="0"/>
-              <a:t>	The Chinese Mind</a:t>
-            </a:r>
+              <a:t>	The </a:t>
+            </a:r>
+            <a:r>
+              <a:rPr lang="en-US" dirty="0" smtClean="0"/>
+              <a:t>China Mind</a:t>
+            </a:r>
+          </a:p>
+          <a:p>
+            <a:pPr marL="0" indent="0">
+              <a:buNone/>
+            </a:pPr>
+            <a:endParaRPr lang="en-US" dirty="0"/>
           </a:p>
           <a:p>
             <a:pPr marL="0" indent="0">
@@ -4546,6 +4664,13 @@
   <p:clrMapOvr>
     <a:masterClrMapping/>
   </p:clrMapOvr>
+  <p:timing>
+    <p:tnLst>
+      <p:par>
+        <p:cTn id="1" dur="indefinite" restart="never" nodeType="tmRoot"/>
+      </p:par>
+    </p:tnLst>
+  </p:timing>
 </p:sld>
 </file>
 
@@ -4582,9 +4707,10 @@
           <a:lstStyle/>
           <a:p>
             <a:r>
-              <a:rPr lang="en-US" dirty="0"/>
-              <a:t>Problem of Inverted Qualia</a:t>
-            </a:r>
+              <a:rPr lang="en-US" dirty="0" smtClean="0"/>
+              <a:t>Homunculi-head</a:t>
+            </a:r>
+            <a:endParaRPr lang="en-US" dirty="0"/>
           </a:p>
         </p:txBody>
       </p:sp>
@@ -4601,54 +4727,26 @@
         <p:spPr/>
         <p:txBody>
           <a:bodyPr>
-            <a:normAutofit/>
+            <a:normAutofit fontScale="62500" lnSpcReduction="20000"/>
           </a:bodyPr>
           <a:lstStyle/>
           <a:p>
-            <a:pPr marL="0" indent="0">
-              <a:buNone/>
-            </a:pPr>
-            <a:r>
-              <a:rPr lang="en-US" dirty="0"/>
-              <a:t>Couldn’t two people be in functionally equivalent states in terms of inputs and outputs but differ in their mental states. </a:t>
-            </a:r>
-          </a:p>
-          <a:p>
-            <a:pPr marL="0" indent="0">
-              <a:buNone/>
-            </a:pPr>
-            <a:r>
-              <a:rPr lang="en-US" dirty="0"/>
-              <a:t>	</a:t>
-            </a:r>
-            <a:r>
-              <a:rPr lang="en-US" sz="2400" dirty="0" err="1"/>
-              <a:t>E.g.,Two</a:t>
-            </a:r>
-            <a:r>
-              <a:rPr lang="en-US" sz="2400" dirty="0"/>
-              <a:t> people may both say that the tree is green, even 	though what looks green to one person may look red to 	another. </a:t>
-            </a:r>
-          </a:p>
-          <a:p>
-            <a:pPr marL="0" indent="0">
-              <a:buNone/>
-            </a:pPr>
-            <a:r>
-              <a:rPr lang="en-US" sz="2400" dirty="0"/>
-              <a:t>	E.g., Couldn’t two people be the same functional state 	but one feels pain and the other does not?</a:t>
-            </a:r>
-          </a:p>
-          <a:p>
-            <a:pPr marL="0" indent="0">
-              <a:buNone/>
-            </a:pPr>
-            <a:endParaRPr lang="en-US" dirty="0"/>
-          </a:p>
-          <a:p>
-            <a:pPr marL="0" indent="0">
-              <a:buNone/>
-            </a:pPr>
+            <a:r>
+              <a:rPr lang="en-US" b="1" dirty="0"/>
+              <a:t>Homunculi-head</a:t>
+            </a:r>
+            <a:r>
+              <a:rPr lang="en-US" dirty="0"/>
+              <a:t>. Imagine a body externally like a human body, say yours, but internally quite different. The neurons from sensory organs are connected to a bank of lights in a hollow cavity in the head. A set of buttons connects to the motor-output neurons. Inside the cavity resides a group of little men. Each has a very simple task: to implement a “square” of an adequate machine table that describes you. On one wall is a bulletin board on which is posted a state card, i.e., a card that bears a symbol designating one of the states specified in the machine table. Here is what the little men do: Suppose the posted card has a ‘G’ on it… Suppose the light representing input I17 goes on. One of the G-men has the following as his sole task: when the card reads ‘G’ and the I17 light goes on, he presses output button O191 and changes the state card to ‘M’… In spite of the low level of intelligence required of each little man, the system as a whole manages to simulate you because the functional organization they have been trained to realize is yours… </a:t>
+            </a:r>
+            <a:r>
+              <a:rPr lang="en-US" dirty="0" smtClean="0"/>
+              <a:t>(Block, p</a:t>
+            </a:r>
+            <a:r>
+              <a:rPr lang="en-US" dirty="0"/>
+              <a:t>. 278)</a:t>
+            </a:r>
             <a:endParaRPr lang="en-US" dirty="0"/>
           </a:p>
         </p:txBody>
@@ -4656,13 +4754,20 @@
     </p:spTree>
     <p:extLst>
       <p:ext uri="{BB962C8B-B14F-4D97-AF65-F5344CB8AC3E}">
-        <p14:creationId xmlns:p14="http://schemas.microsoft.com/office/powerpoint/2010/main" val="2088428787"/>
+        <p14:creationId xmlns:p14="http://schemas.microsoft.com/office/powerpoint/2010/main" val="2504860607"/>
       </p:ext>
     </p:extLst>
   </p:cSld>
   <p:clrMapOvr>
     <a:masterClrMapping/>
   </p:clrMapOvr>
+  <p:timing>
+    <p:tnLst>
+      <p:par>
+        <p:cTn id="1" dur="indefinite" restart="never" nodeType="tmRoot"/>
+      </p:par>
+    </p:tnLst>
+  </p:timing>
 </p:sld>
 </file>
 
@@ -4695,54 +4800,108 @@
         </p:nvSpPr>
         <p:spPr/>
         <p:txBody>
+          <a:bodyPr/>
+          <a:lstStyle/>
+          <a:p>
+            <a:r>
+              <a:rPr lang="en-US" dirty="0" smtClean="0"/>
+              <a:t>The China Mind</a:t>
+            </a:r>
+            <a:endParaRPr lang="en-US" dirty="0"/>
+          </a:p>
+        </p:txBody>
+      </p:sp>
+      <p:sp>
+        <p:nvSpPr>
+          <p:cNvPr id="3" name="Content Placeholder 2"/>
+          <p:cNvSpPr>
+            <a:spLocks noGrp="1"/>
+          </p:cNvSpPr>
+          <p:nvPr>
+            <p:ph idx="1"/>
+          </p:nvPr>
+        </p:nvSpPr>
+        <p:spPr/>
+        <p:txBody>
           <a:bodyPr>
-            <a:normAutofit fontScale="90000"/>
+            <a:normAutofit fontScale="70000" lnSpcReduction="20000"/>
           </a:bodyPr>
           <a:lstStyle/>
           <a:p>
-            <a:r>
-              <a:rPr lang="en-US" dirty="0"/>
-              <a:t>Frank Jackson: </a:t>
-            </a:r>
-            <a:br>
-              <a:rPr lang="en-US" dirty="0"/>
-            </a:br>
-            <a:r>
-              <a:rPr lang="en-US" dirty="0"/>
-              <a:t>What Mary Didn’t’ Know</a:t>
-            </a:r>
-          </a:p>
-        </p:txBody>
-      </p:sp>
-      <p:sp>
-        <p:nvSpPr>
-          <p:cNvPr id="3" name="Content Placeholder 2"/>
-          <p:cNvSpPr>
-            <a:spLocks noGrp="1"/>
-          </p:cNvSpPr>
-          <p:nvPr>
-            <p:ph idx="1"/>
-          </p:nvPr>
-        </p:nvSpPr>
-        <p:spPr/>
-        <p:txBody>
-          <a:bodyPr/>
-          <a:lstStyle/>
-          <a:p>
-            <a:endParaRPr lang="en-US"/>
+            <a:pPr marL="0" indent="0">
+              <a:buNone/>
+            </a:pPr>
+            <a:r>
+              <a:rPr lang="en-US" b="1" dirty="0" smtClean="0"/>
+              <a:t>China Mind</a:t>
+            </a:r>
+            <a:r>
+              <a:rPr lang="en-US" dirty="0" smtClean="0"/>
+              <a:t>: Suppose we convert the government of China to functionalism, and we convince its officials to realize a human mind for an hour.  We provide each of the billion people in China (I chose China because it has a billion inhabitants.) with a specially designed </a:t>
+            </a:r>
+            <a:r>
+              <a:rPr lang="en-US" dirty="0" err="1" smtClean="0"/>
+              <a:t>twoway</a:t>
+            </a:r>
+            <a:r>
+              <a:rPr lang="en-US" dirty="0" smtClean="0"/>
+              <a:t> radio that connects them in </a:t>
+            </a:r>
+            <a:r>
+              <a:rPr lang="en-US" dirty="0" err="1" smtClean="0"/>
+              <a:t>theapproriate</a:t>
+            </a:r>
+            <a:r>
+              <a:rPr lang="en-US" dirty="0" smtClean="0"/>
+              <a:t> way to other persons and o the artificial body mentioned in the previous example.  We replace each of the little men with a citizen of China plus his radio. Instead of a bulletin board, we arrange to have letters displayed on a series of satellites placed so that they can be seen from anywhere in China. </a:t>
+            </a:r>
+            <a:endParaRPr lang="en-US" dirty="0"/>
+          </a:p>
+          <a:p>
+            <a:pPr marL="0" indent="0">
+              <a:buNone/>
+            </a:pPr>
+            <a:r>
+              <a:rPr lang="en-US" dirty="0"/>
+              <a:t>	</a:t>
+            </a:r>
+            <a:r>
+              <a:rPr lang="en-US" dirty="0" smtClean="0"/>
+              <a:t>The system of a billion people communicating with one    another plus satellites plays the role of an external “brain”                                         connected to the artificial body by radio. … </a:t>
+            </a:r>
+          </a:p>
+          <a:p>
+            <a:pPr marL="0" indent="0">
+              <a:buNone/>
+            </a:pPr>
+            <a:r>
+              <a:rPr lang="en-US" dirty="0"/>
+              <a:t>	</a:t>
+            </a:r>
+            <a:r>
+              <a:rPr lang="en-US" dirty="0" smtClean="0"/>
+              <a:t>It is not al obvious that the China-body system is physically impossible.  It could be functionally equivalent to you for a short time, say an hour. (Block)</a:t>
+            </a:r>
           </a:p>
         </p:txBody>
       </p:sp>
     </p:spTree>
     <p:extLst>
       <p:ext uri="{BB962C8B-B14F-4D97-AF65-F5344CB8AC3E}">
-        <p14:creationId xmlns:p14="http://schemas.microsoft.com/office/powerpoint/2010/main" val="204420822"/>
+        <p14:creationId xmlns:p14="http://schemas.microsoft.com/office/powerpoint/2010/main" val="1268697479"/>
       </p:ext>
     </p:extLst>
   </p:cSld>
   <p:clrMapOvr>
     <a:masterClrMapping/>
   </p:clrMapOvr>
+  <p:timing>
+    <p:tnLst>
+      <p:par>
+        <p:cTn id="1" dur="indefinite" restart="never" nodeType="tmRoot"/>
+      </p:par>
+    </p:tnLst>
+  </p:timing>
 </p:sld>
 </file>
 
@@ -4775,53 +4934,1092 @@
         </p:nvSpPr>
         <p:spPr/>
         <p:txBody>
+          <a:bodyPr/>
+          <a:lstStyle/>
+          <a:p>
+            <a:r>
+              <a:rPr lang="en-US" dirty="0" smtClean="0"/>
+              <a:t>Block</a:t>
+            </a:r>
+            <a:endParaRPr lang="en-US" dirty="0"/>
+          </a:p>
+        </p:txBody>
+      </p:sp>
+      <p:sp>
+        <p:nvSpPr>
+          <p:cNvPr id="3" name="Content Placeholder 2"/>
+          <p:cNvSpPr>
+            <a:spLocks noGrp="1"/>
+          </p:cNvSpPr>
+          <p:nvPr>
+            <p:ph idx="1"/>
+          </p:nvPr>
+        </p:nvSpPr>
+        <p:spPr/>
+        <p:txBody>
           <a:bodyPr>
-            <a:normAutofit fontScale="90000"/>
+            <a:normAutofit fontScale="92500" lnSpcReduction="10000"/>
           </a:bodyPr>
           <a:lstStyle/>
           <a:p>
-            <a:r>
-              <a:rPr lang="en-US" dirty="0"/>
-              <a:t>John Searle: The Chinese Room and the Problem of Intentionality</a:t>
-            </a:r>
-          </a:p>
-        </p:txBody>
-      </p:sp>
-      <p:sp>
-        <p:nvSpPr>
-          <p:cNvPr id="3" name="Content Placeholder 2"/>
-          <p:cNvSpPr>
-            <a:spLocks noGrp="1"/>
-          </p:cNvSpPr>
-          <p:nvPr>
-            <p:ph idx="1"/>
-          </p:nvPr>
-        </p:nvSpPr>
-        <p:spPr/>
-        <p:txBody>
-          <a:bodyPr/>
-          <a:lstStyle/>
-          <a:p>
-            <a:pPr marL="0" indent="0">
-              <a:buNone/>
-            </a:pPr>
-            <a:r>
-              <a:rPr lang="en-US" dirty="0"/>
-              <a:t>P. 146</a:t>
-            </a:r>
+            <a:pPr marL="0" indent="0">
+              <a:buNone/>
+            </a:pPr>
+            <a:r>
+              <a:rPr lang="en-US" dirty="0" smtClean="0"/>
+              <a:t>“In describing the Chinese system as a Turing Machine, I have drawn the line in such a way that is satisfies a certain type of functional description – one that you also satisfy, and one that, according to functionalism, justifies attributions of mentality.” </a:t>
+            </a:r>
+          </a:p>
+          <a:p>
+            <a:pPr marL="0" indent="0">
+              <a:buNone/>
+            </a:pPr>
+            <a:r>
+              <a:rPr lang="en-US" dirty="0" smtClean="0"/>
+              <a:t>As described, the China Mind has the same functional organization as someone and so if functionalism entails ascribing mental states to someone, it entails ascribing mental states to the China Mind.</a:t>
+            </a:r>
+            <a:endParaRPr lang="en-US" dirty="0"/>
           </a:p>
         </p:txBody>
       </p:sp>
     </p:spTree>
     <p:extLst>
       <p:ext uri="{BB962C8B-B14F-4D97-AF65-F5344CB8AC3E}">
-        <p14:creationId xmlns:p14="http://schemas.microsoft.com/office/powerpoint/2010/main" val="2645205248"/>
+        <p14:creationId xmlns:p14="http://schemas.microsoft.com/office/powerpoint/2010/main" val="3283384683"/>
       </p:ext>
     </p:extLst>
   </p:cSld>
   <p:clrMapOvr>
     <a:masterClrMapping/>
   </p:clrMapOvr>
+  <p:timing>
+    <p:tnLst>
+      <p:par>
+        <p:cTn id="1" dur="indefinite" restart="never" nodeType="tmRoot"/>
+      </p:par>
+    </p:tnLst>
+  </p:timing>
+</p:sld>
+</file>
+
+<file path=ppt/slides/slide24.xml><?xml version="1.0" encoding="utf-8"?>
+<p:sld xmlns:a="http://schemas.openxmlformats.org/drawingml/2006/main" xmlns:r="http://schemas.openxmlformats.org/officeDocument/2006/relationships" xmlns:p="http://schemas.openxmlformats.org/presentationml/2006/main">
+  <p:cSld>
+    <p:spTree>
+      <p:nvGrpSpPr>
+        <p:cNvPr id="1" name=""/>
+        <p:cNvGrpSpPr/>
+        <p:nvPr/>
+      </p:nvGrpSpPr>
+      <p:grpSpPr>
+        <a:xfrm>
+          <a:off x="0" y="0"/>
+          <a:ext cx="0" cy="0"/>
+          <a:chOff x="0" y="0"/>
+          <a:chExt cx="0" cy="0"/>
+        </a:xfrm>
+      </p:grpSpPr>
+      <p:sp>
+        <p:nvSpPr>
+          <p:cNvPr id="2" name="Title 1"/>
+          <p:cNvSpPr>
+            <a:spLocks noGrp="1"/>
+          </p:cNvSpPr>
+          <p:nvPr>
+            <p:ph type="title"/>
+          </p:nvPr>
+        </p:nvSpPr>
+        <p:spPr/>
+        <p:txBody>
+          <a:bodyPr>
+            <a:normAutofit fontScale="90000"/>
+          </a:bodyPr>
+          <a:lstStyle/>
+          <a:p>
+            <a:r>
+              <a:rPr lang="en-US" dirty="0" smtClean="0"/>
+              <a:t>Block’s Absent Qualia Argument Against Functionalism</a:t>
+            </a:r>
+            <a:endParaRPr lang="en-US" dirty="0"/>
+          </a:p>
+        </p:txBody>
+      </p:sp>
+      <p:sp>
+        <p:nvSpPr>
+          <p:cNvPr id="3" name="Content Placeholder 2"/>
+          <p:cNvSpPr>
+            <a:spLocks noGrp="1"/>
+          </p:cNvSpPr>
+          <p:nvPr>
+            <p:ph idx="1"/>
+          </p:nvPr>
+        </p:nvSpPr>
+        <p:spPr/>
+        <p:txBody>
+          <a:bodyPr/>
+          <a:lstStyle/>
+          <a:p>
+            <a:pPr marL="0" indent="0">
+              <a:buNone/>
+            </a:pPr>
+            <a:r>
+              <a:rPr lang="en-US" dirty="0" smtClean="0"/>
+              <a:t>Does the HH-Robot and China-mind have mental states?  Would they experience things like pains, </a:t>
+            </a:r>
+            <a:r>
+              <a:rPr lang="en-US" dirty="0" err="1" smtClean="0"/>
+              <a:t>raws</a:t>
+            </a:r>
+            <a:r>
+              <a:rPr lang="en-US" dirty="0" smtClean="0"/>
+              <a:t> feels, and the qualia of perceptions?</a:t>
+            </a:r>
+          </a:p>
+          <a:p>
+            <a:pPr marL="0" indent="0">
+              <a:buNone/>
+            </a:pPr>
+            <a:endParaRPr lang="en-US" dirty="0"/>
+          </a:p>
+          <a:p>
+            <a:pPr marL="0" indent="0">
+              <a:buNone/>
+            </a:pPr>
+            <a:endParaRPr lang="en-US" dirty="0"/>
+          </a:p>
+        </p:txBody>
+      </p:sp>
+    </p:spTree>
+    <p:extLst>
+      <p:ext uri="{BB962C8B-B14F-4D97-AF65-F5344CB8AC3E}">
+        <p14:creationId xmlns:p14="http://schemas.microsoft.com/office/powerpoint/2010/main" val="3917748699"/>
+      </p:ext>
+    </p:extLst>
+  </p:cSld>
+  <p:clrMapOvr>
+    <a:masterClrMapping/>
+  </p:clrMapOvr>
+  <p:timing>
+    <p:tnLst>
+      <p:par>
+        <p:cTn id="1" dur="indefinite" restart="never" nodeType="tmRoot"/>
+      </p:par>
+    </p:tnLst>
+  </p:timing>
+</p:sld>
+</file>
+
+<file path=ppt/slides/slide25.xml><?xml version="1.0" encoding="utf-8"?>
+<p:sld xmlns:a="http://schemas.openxmlformats.org/drawingml/2006/main" xmlns:r="http://schemas.openxmlformats.org/officeDocument/2006/relationships" xmlns:p="http://schemas.openxmlformats.org/presentationml/2006/main">
+  <p:cSld>
+    <p:spTree>
+      <p:nvGrpSpPr>
+        <p:cNvPr id="1" name=""/>
+        <p:cNvGrpSpPr/>
+        <p:nvPr/>
+      </p:nvGrpSpPr>
+      <p:grpSpPr>
+        <a:xfrm>
+          <a:off x="0" y="0"/>
+          <a:ext cx="0" cy="0"/>
+          <a:chOff x="0" y="0"/>
+          <a:chExt cx="0" cy="0"/>
+        </a:xfrm>
+      </p:grpSpPr>
+      <p:sp>
+        <p:nvSpPr>
+          <p:cNvPr id="2" name="Title 1"/>
+          <p:cNvSpPr>
+            <a:spLocks noGrp="1"/>
+          </p:cNvSpPr>
+          <p:nvPr>
+            <p:ph type="title"/>
+          </p:nvPr>
+        </p:nvSpPr>
+        <p:spPr/>
+        <p:txBody>
+          <a:bodyPr/>
+          <a:lstStyle/>
+          <a:p>
+            <a:r>
+              <a:rPr lang="en-US" dirty="0" smtClean="0"/>
+              <a:t>Putnam’s Response</a:t>
+            </a:r>
+            <a:endParaRPr lang="en-US" dirty="0"/>
+          </a:p>
+        </p:txBody>
+      </p:sp>
+      <p:sp>
+        <p:nvSpPr>
+          <p:cNvPr id="3" name="Content Placeholder 2"/>
+          <p:cNvSpPr>
+            <a:spLocks noGrp="1"/>
+          </p:cNvSpPr>
+          <p:nvPr>
+            <p:ph idx="1"/>
+          </p:nvPr>
+        </p:nvSpPr>
+        <p:spPr/>
+        <p:txBody>
+          <a:bodyPr>
+            <a:normAutofit fontScale="55000" lnSpcReduction="20000"/>
+          </a:bodyPr>
+          <a:lstStyle/>
+          <a:p>
+            <a:pPr marL="0" indent="0">
+              <a:buNone/>
+            </a:pPr>
+            <a:r>
+              <a:rPr lang="en-US" dirty="0" smtClean="0"/>
+              <a:t>Putnam stipulates that a pain-feeling organism must have a functional organization but has no parts which (1) themselves possess that sort of functional organization and also (2) play a crucial role in giving the whole system its functional organization.</a:t>
+            </a:r>
+          </a:p>
+          <a:p>
+            <a:pPr marL="0" indent="0">
+              <a:buNone/>
+            </a:pPr>
+            <a:endParaRPr lang="en-US" dirty="0" smtClean="0"/>
+          </a:p>
+          <a:p>
+            <a:pPr marL="0" indent="0">
+              <a:buNone/>
+            </a:pPr>
+            <a:r>
+              <a:rPr lang="en-US" dirty="0" smtClean="0"/>
+              <a:t>Block’s response: </a:t>
+            </a:r>
+            <a:r>
+              <a:rPr lang="en-US" dirty="0"/>
+              <a:t>Block objects that this </a:t>
+            </a:r>
+            <a:r>
+              <a:rPr lang="en-US" dirty="0" smtClean="0"/>
+              <a:t>stipulation is </a:t>
+            </a:r>
+            <a:r>
+              <a:rPr lang="en-US" i="1" dirty="0" smtClean="0"/>
+              <a:t>ad hoc </a:t>
+            </a:r>
+            <a:r>
+              <a:rPr lang="en-US" dirty="0" smtClean="0"/>
+              <a:t>and too strong as it </a:t>
+            </a:r>
+            <a:r>
+              <a:rPr lang="en-US" dirty="0"/>
+              <a:t>rules out the possibility of </a:t>
+            </a:r>
+            <a:r>
+              <a:rPr lang="en-US" dirty="0" smtClean="0"/>
+              <a:t>beings </a:t>
+            </a:r>
+            <a:r>
+              <a:rPr lang="en-US" dirty="0"/>
+              <a:t>who intuitively </a:t>
+            </a:r>
+            <a:r>
+              <a:rPr lang="en-US" i="1" dirty="0"/>
+              <a:t>would</a:t>
+            </a:r>
+            <a:r>
+              <a:rPr lang="en-US" dirty="0"/>
+              <a:t> share all of </a:t>
+            </a:r>
+            <a:r>
+              <a:rPr lang="en-US" dirty="0" smtClean="0"/>
+              <a:t>our </a:t>
+            </a:r>
+            <a:r>
+              <a:rPr lang="en-US" dirty="0"/>
+              <a:t>mental states. </a:t>
+            </a:r>
+            <a:endParaRPr lang="en-US" dirty="0" smtClean="0"/>
+          </a:p>
+          <a:p>
+            <a:pPr marL="0" indent="0">
+              <a:buNone/>
+            </a:pPr>
+            <a:endParaRPr lang="en-US" dirty="0" smtClean="0"/>
+          </a:p>
+          <a:p>
+            <a:pPr marL="0" indent="0">
+              <a:buNone/>
+            </a:pPr>
+            <a:r>
+              <a:rPr lang="en-US" dirty="0" smtClean="0"/>
+              <a:t>Block offers a hypothetical case in support of his claim.  Suppose there are tiny intelligent, creatures who are smaller than our elementary particles. They build </a:t>
+            </a:r>
+            <a:r>
+              <a:rPr lang="en-US" dirty="0"/>
+              <a:t>spaceships that mimic the behavior of our elementary physical </a:t>
+            </a:r>
+            <a:r>
+              <a:rPr lang="en-US" dirty="0" smtClean="0"/>
+              <a:t>particles, like oxygen and carbon. </a:t>
+            </a:r>
+            <a:r>
+              <a:rPr lang="en-US" dirty="0"/>
+              <a:t>Imagine that </a:t>
+            </a:r>
+            <a:r>
+              <a:rPr lang="en-US" dirty="0" smtClean="0"/>
+              <a:t>we visit the planets of these creatures and then eat </a:t>
+            </a:r>
+            <a:r>
+              <a:rPr lang="en-US" dirty="0"/>
+              <a:t>food made up of </a:t>
+            </a:r>
+            <a:r>
+              <a:rPr lang="en-US" dirty="0" smtClean="0"/>
+              <a:t>them and their spaceships, and </a:t>
+            </a:r>
+            <a:r>
+              <a:rPr lang="en-US" dirty="0"/>
+              <a:t>gradually come </a:t>
+            </a:r>
+            <a:r>
+              <a:rPr lang="en-US" dirty="0" smtClean="0"/>
+              <a:t>to be made of “matter” composed </a:t>
+            </a:r>
+            <a:r>
+              <a:rPr lang="en-US" dirty="0"/>
+              <a:t>of the tiny </a:t>
+            </a:r>
+            <a:r>
+              <a:rPr lang="en-US" dirty="0" smtClean="0"/>
+              <a:t>creatures in space ships. . </a:t>
+            </a:r>
+            <a:r>
+              <a:rPr lang="en-US" dirty="0"/>
+              <a:t>According to </a:t>
+            </a:r>
+            <a:r>
+              <a:rPr lang="en-US" dirty="0" smtClean="0"/>
+              <a:t>Putnam, </a:t>
+            </a:r>
+            <a:r>
+              <a:rPr lang="en-US" dirty="0"/>
+              <a:t>this </a:t>
+            </a:r>
+            <a:r>
+              <a:rPr lang="en-US" dirty="0" smtClean="0"/>
+              <a:t>should make a difference in our mental lives. But </a:t>
+            </a:r>
+            <a:r>
+              <a:rPr lang="en-US" dirty="0"/>
+              <a:t>that seems </a:t>
+            </a:r>
+            <a:r>
+              <a:rPr lang="en-US" dirty="0" smtClean="0"/>
+              <a:t>to be the wrong conclusion.  Why should the fact that you are now made of matter that contains parts that themselves possess functional organization and that play a crucial role in our functional organization make </a:t>
+            </a:r>
+            <a:r>
+              <a:rPr lang="en-US" dirty="0"/>
+              <a:t>any </a:t>
+            </a:r>
+            <a:r>
+              <a:rPr lang="en-US" dirty="0" smtClean="0"/>
+              <a:t>difference </a:t>
+            </a:r>
+            <a:r>
+              <a:rPr lang="en-US" dirty="0"/>
+              <a:t>to what sort of mental life </a:t>
+            </a:r>
+            <a:r>
+              <a:rPr lang="en-US" dirty="0" smtClean="0"/>
+              <a:t>we would have? </a:t>
+            </a:r>
+            <a:endParaRPr lang="en-US" dirty="0"/>
+          </a:p>
+        </p:txBody>
+      </p:sp>
+    </p:spTree>
+    <p:extLst>
+      <p:ext uri="{BB962C8B-B14F-4D97-AF65-F5344CB8AC3E}">
+        <p14:creationId xmlns:p14="http://schemas.microsoft.com/office/powerpoint/2010/main" val="1817719808"/>
+      </p:ext>
+    </p:extLst>
+  </p:cSld>
+  <p:clrMapOvr>
+    <a:masterClrMapping/>
+  </p:clrMapOvr>
+  <p:timing>
+    <p:tnLst>
+      <p:par>
+        <p:cTn id="1" dur="indefinite" restart="never" nodeType="tmRoot"/>
+      </p:par>
+    </p:tnLst>
+  </p:timing>
+</p:sld>
+</file>
+
+<file path=ppt/slides/slide26.xml><?xml version="1.0" encoding="utf-8"?>
+<p:sld xmlns:a="http://schemas.openxmlformats.org/drawingml/2006/main" xmlns:r="http://schemas.openxmlformats.org/officeDocument/2006/relationships" xmlns:p="http://schemas.openxmlformats.org/presentationml/2006/main">
+  <p:cSld>
+    <p:spTree>
+      <p:nvGrpSpPr>
+        <p:cNvPr id="1" name=""/>
+        <p:cNvGrpSpPr/>
+        <p:nvPr/>
+      </p:nvGrpSpPr>
+      <p:grpSpPr>
+        <a:xfrm>
+          <a:off x="0" y="0"/>
+          <a:ext cx="0" cy="0"/>
+          <a:chOff x="0" y="0"/>
+          <a:chExt cx="0" cy="0"/>
+        </a:xfrm>
+      </p:grpSpPr>
+      <p:sp>
+        <p:nvSpPr>
+          <p:cNvPr id="2" name="Title 1"/>
+          <p:cNvSpPr>
+            <a:spLocks noGrp="1"/>
+          </p:cNvSpPr>
+          <p:nvPr>
+            <p:ph type="title"/>
+          </p:nvPr>
+        </p:nvSpPr>
+        <p:spPr/>
+        <p:txBody>
+          <a:bodyPr>
+            <a:normAutofit/>
+          </a:bodyPr>
+          <a:lstStyle/>
+          <a:p>
+            <a:r>
+              <a:rPr lang="en-US" dirty="0" err="1" smtClean="0"/>
+              <a:t>Psychofunctionalist</a:t>
+            </a:r>
+            <a:r>
+              <a:rPr lang="en-US" dirty="0" smtClean="0"/>
+              <a:t> Response</a:t>
+            </a:r>
+            <a:endParaRPr lang="en-US" dirty="0"/>
+          </a:p>
+        </p:txBody>
+      </p:sp>
+      <p:sp>
+        <p:nvSpPr>
+          <p:cNvPr id="3" name="Content Placeholder 2"/>
+          <p:cNvSpPr>
+            <a:spLocks noGrp="1"/>
+          </p:cNvSpPr>
+          <p:nvPr>
+            <p:ph idx="1"/>
+          </p:nvPr>
+        </p:nvSpPr>
+        <p:spPr/>
+        <p:txBody>
+          <a:bodyPr>
+            <a:normAutofit fontScale="92500"/>
+          </a:bodyPr>
+          <a:lstStyle/>
+          <a:p>
+            <a:pPr marL="0" indent="0">
+              <a:buNone/>
+            </a:pPr>
+            <a:r>
+              <a:rPr lang="en-US" dirty="0" err="1" smtClean="0"/>
+              <a:t>Psychofunctionalism</a:t>
+            </a:r>
+            <a:r>
+              <a:rPr lang="en-US" dirty="0" smtClean="0"/>
+              <a:t> specifies inputs and outputs in terms </a:t>
+            </a:r>
+            <a:r>
+              <a:rPr lang="en-US" smtClean="0"/>
+              <a:t>of species-specific neural </a:t>
+            </a:r>
+            <a:r>
+              <a:rPr lang="en-US" dirty="0" smtClean="0"/>
+              <a:t>activity.</a:t>
+            </a:r>
+          </a:p>
+          <a:p>
+            <a:pPr marL="0" indent="0">
+              <a:buNone/>
+            </a:pPr>
+            <a:r>
+              <a:rPr lang="en-US" dirty="0" smtClean="0"/>
+              <a:t>Can functionalists appeal to functional </a:t>
+            </a:r>
+            <a:r>
+              <a:rPr lang="en-US" dirty="0"/>
+              <a:t>differences between the cognitive mechanisms </a:t>
+            </a:r>
+            <a:r>
+              <a:rPr lang="en-US" dirty="0" smtClean="0"/>
+              <a:t>in</a:t>
+            </a:r>
+            <a:r>
+              <a:rPr lang="en-US" dirty="0"/>
+              <a:t> </a:t>
+            </a:r>
+            <a:r>
+              <a:rPr lang="en-US" dirty="0" smtClean="0"/>
+              <a:t>our</a:t>
+            </a:r>
+            <a:r>
+              <a:rPr lang="en-US" dirty="0"/>
+              <a:t> brains and the mechanisms in the Homunculi-head and </a:t>
+            </a:r>
+            <a:r>
+              <a:rPr lang="en-US" dirty="0" smtClean="0"/>
+              <a:t>China-brain to rule our mentality in the Homunculi-Head and China-brain? </a:t>
+            </a:r>
+          </a:p>
+          <a:p>
+            <a:pPr marL="0" indent="0">
+              <a:buNone/>
+            </a:pPr>
+            <a:r>
+              <a:rPr lang="en-US" dirty="0" smtClean="0"/>
+              <a:t>Block says no. </a:t>
+            </a:r>
+            <a:endParaRPr lang="en-US" dirty="0"/>
+          </a:p>
+        </p:txBody>
+      </p:sp>
+    </p:spTree>
+    <p:extLst>
+      <p:ext uri="{BB962C8B-B14F-4D97-AF65-F5344CB8AC3E}">
+        <p14:creationId xmlns:p14="http://schemas.microsoft.com/office/powerpoint/2010/main" val="2851738212"/>
+      </p:ext>
+    </p:extLst>
+  </p:cSld>
+  <p:clrMapOvr>
+    <a:masterClrMapping/>
+  </p:clrMapOvr>
+  <p:timing>
+    <p:tnLst>
+      <p:par>
+        <p:cTn id="1" dur="indefinite" restart="never" nodeType="tmRoot"/>
+      </p:par>
+    </p:tnLst>
+  </p:timing>
+</p:sld>
+</file>
+
+<file path=ppt/slides/slide27.xml><?xml version="1.0" encoding="utf-8"?>
+<p:sld xmlns:a="http://schemas.openxmlformats.org/drawingml/2006/main" xmlns:r="http://schemas.openxmlformats.org/officeDocument/2006/relationships" xmlns:p="http://schemas.openxmlformats.org/presentationml/2006/main">
+  <p:cSld>
+    <p:spTree>
+      <p:nvGrpSpPr>
+        <p:cNvPr id="1" name=""/>
+        <p:cNvGrpSpPr/>
+        <p:nvPr/>
+      </p:nvGrpSpPr>
+      <p:grpSpPr>
+        <a:xfrm>
+          <a:off x="0" y="0"/>
+          <a:ext cx="0" cy="0"/>
+          <a:chOff x="0" y="0"/>
+          <a:chExt cx="0" cy="0"/>
+        </a:xfrm>
+      </p:grpSpPr>
+      <p:sp>
+        <p:nvSpPr>
+          <p:cNvPr id="2" name="Title 1"/>
+          <p:cNvSpPr>
+            <a:spLocks noGrp="1"/>
+          </p:cNvSpPr>
+          <p:nvPr>
+            <p:ph type="title"/>
+          </p:nvPr>
+        </p:nvSpPr>
+        <p:spPr/>
+        <p:txBody>
+          <a:bodyPr/>
+          <a:lstStyle/>
+          <a:p>
+            <a:r>
+              <a:rPr lang="en-US" dirty="0" smtClean="0"/>
+              <a:t>Block’s Problem </a:t>
+            </a:r>
+            <a:r>
+              <a:rPr lang="en-US" dirty="0"/>
+              <a:t>of Inverted Qualia</a:t>
+            </a:r>
+          </a:p>
+        </p:txBody>
+      </p:sp>
+      <p:sp>
+        <p:nvSpPr>
+          <p:cNvPr id="3" name="Content Placeholder 2"/>
+          <p:cNvSpPr>
+            <a:spLocks noGrp="1"/>
+          </p:cNvSpPr>
+          <p:nvPr>
+            <p:ph idx="1"/>
+          </p:nvPr>
+        </p:nvSpPr>
+        <p:spPr>
+          <a:xfrm>
+            <a:off x="457200" y="1676400"/>
+            <a:ext cx="8229600" cy="4525963"/>
+          </a:xfrm>
+        </p:spPr>
+        <p:txBody>
+          <a:bodyPr>
+            <a:normAutofit fontScale="85000" lnSpcReduction="20000"/>
+          </a:bodyPr>
+          <a:lstStyle/>
+          <a:p>
+            <a:pPr marL="0" indent="0">
+              <a:buNone/>
+            </a:pPr>
+            <a:r>
+              <a:rPr lang="en-US" dirty="0"/>
+              <a:t>Couldn’t two people be in </a:t>
+            </a:r>
+            <a:r>
+              <a:rPr lang="en-US" dirty="0" err="1" smtClean="0"/>
+              <a:t>psychofunctionally</a:t>
+            </a:r>
+            <a:r>
+              <a:rPr lang="en-US" dirty="0" smtClean="0"/>
+              <a:t> </a:t>
+            </a:r>
+            <a:r>
+              <a:rPr lang="en-US" dirty="0"/>
+              <a:t>equivalent states in terms of inputs and outputs but differ in their mental states. </a:t>
+            </a:r>
+          </a:p>
+          <a:p>
+            <a:pPr marL="0" indent="0">
+              <a:buNone/>
+            </a:pPr>
+            <a:r>
+              <a:rPr lang="en-US" dirty="0"/>
+              <a:t>	</a:t>
+            </a:r>
+            <a:r>
+              <a:rPr lang="en-US" sz="2400" dirty="0" smtClean="0"/>
+              <a:t>E.g., Two </a:t>
+            </a:r>
+            <a:r>
+              <a:rPr lang="en-US" sz="2400" dirty="0"/>
+              <a:t>people may both say that the tree is </a:t>
+            </a:r>
+            <a:r>
+              <a:rPr lang="en-US" sz="2400" dirty="0" smtClean="0"/>
+              <a:t>green, even 	though </a:t>
+            </a:r>
+            <a:r>
+              <a:rPr lang="en-US" sz="2400" dirty="0"/>
+              <a:t>what looks green to one person may </a:t>
+            </a:r>
+            <a:r>
+              <a:rPr lang="en-US" sz="2400" dirty="0" smtClean="0"/>
+              <a:t>look red </a:t>
+            </a:r>
+            <a:r>
+              <a:rPr lang="en-US" sz="2400" dirty="0"/>
+              <a:t>to </a:t>
+            </a:r>
+            <a:r>
+              <a:rPr lang="en-US" sz="2400" dirty="0" smtClean="0"/>
+              <a:t>	another</a:t>
+            </a:r>
+            <a:r>
+              <a:rPr lang="en-US" sz="2400" dirty="0"/>
+              <a:t>. </a:t>
+            </a:r>
+          </a:p>
+          <a:p>
+            <a:pPr marL="0" indent="0">
+              <a:buNone/>
+            </a:pPr>
+            <a:r>
+              <a:rPr lang="en-US" sz="2400" dirty="0"/>
+              <a:t>	E.g., Couldn’t two people </a:t>
+            </a:r>
+            <a:r>
+              <a:rPr lang="en-US" sz="2400" dirty="0" smtClean="0"/>
+              <a:t>in be </a:t>
+            </a:r>
+            <a:r>
+              <a:rPr lang="en-US" sz="2400" dirty="0"/>
+              <a:t>the same functional </a:t>
+            </a:r>
+            <a:r>
+              <a:rPr lang="en-US" sz="2400" dirty="0" smtClean="0"/>
+              <a:t>state but one 	feels </a:t>
+            </a:r>
+            <a:r>
+              <a:rPr lang="en-US" sz="2400" dirty="0"/>
+              <a:t>pain and the other does not?</a:t>
+            </a:r>
+          </a:p>
+          <a:p>
+            <a:pPr marL="0" indent="0">
+              <a:buNone/>
+            </a:pPr>
+            <a:endParaRPr lang="en-US" sz="2600" dirty="0" smtClean="0"/>
+          </a:p>
+          <a:p>
+            <a:pPr marL="0" indent="0">
+              <a:buNone/>
+            </a:pPr>
+            <a:r>
+              <a:rPr lang="en-US" sz="2600" dirty="0" smtClean="0"/>
+              <a:t>Note: Functionalism may do better with non-qualitative mental states like beliefs and desires, since it hard to make sense of how two individuals with opposite beliefs or desire could be functionally equivalent, as </a:t>
+            </a:r>
+            <a:r>
+              <a:rPr lang="en-US" sz="2600" dirty="0" smtClean="0"/>
+              <a:t>the difference could reveal itself in some possible behavior.</a:t>
+            </a:r>
+            <a:endParaRPr lang="en-US" sz="2600" dirty="0"/>
+          </a:p>
+          <a:p>
+            <a:pPr marL="0" indent="0">
+              <a:buNone/>
+            </a:pPr>
+            <a:endParaRPr lang="en-US" dirty="0"/>
+          </a:p>
+        </p:txBody>
+      </p:sp>
+    </p:spTree>
+    <p:extLst>
+      <p:ext uri="{BB962C8B-B14F-4D97-AF65-F5344CB8AC3E}">
+        <p14:creationId xmlns:p14="http://schemas.microsoft.com/office/powerpoint/2010/main" val="2088428787"/>
+      </p:ext>
+    </p:extLst>
+  </p:cSld>
+  <p:clrMapOvr>
+    <a:masterClrMapping/>
+  </p:clrMapOvr>
+  <p:timing>
+    <p:tnLst>
+      <p:par>
+        <p:cTn id="1" dur="indefinite" restart="never" nodeType="tmRoot"/>
+      </p:par>
+    </p:tnLst>
+  </p:timing>
+</p:sld>
+</file>
+
+<file path=ppt/slides/slide28.xml><?xml version="1.0" encoding="utf-8"?>
+<p:sld xmlns:a="http://schemas.openxmlformats.org/drawingml/2006/main" xmlns:r="http://schemas.openxmlformats.org/officeDocument/2006/relationships" xmlns:p="http://schemas.openxmlformats.org/presentationml/2006/main">
+  <p:cSld>
+    <p:spTree>
+      <p:nvGrpSpPr>
+        <p:cNvPr id="1" name=""/>
+        <p:cNvGrpSpPr/>
+        <p:nvPr/>
+      </p:nvGrpSpPr>
+      <p:grpSpPr>
+        <a:xfrm>
+          <a:off x="0" y="0"/>
+          <a:ext cx="0" cy="0"/>
+          <a:chOff x="0" y="0"/>
+          <a:chExt cx="0" cy="0"/>
+        </a:xfrm>
+      </p:grpSpPr>
+      <p:sp>
+        <p:nvSpPr>
+          <p:cNvPr id="2" name="Title 1"/>
+          <p:cNvSpPr>
+            <a:spLocks noGrp="1"/>
+          </p:cNvSpPr>
+          <p:nvPr>
+            <p:ph type="title"/>
+          </p:nvPr>
+        </p:nvSpPr>
+        <p:spPr/>
+        <p:txBody>
+          <a:bodyPr/>
+          <a:lstStyle/>
+          <a:p>
+            <a:r>
+              <a:rPr lang="en-US" dirty="0" err="1" smtClean="0"/>
+              <a:t>Psychofunctionalism</a:t>
+            </a:r>
+            <a:r>
+              <a:rPr lang="en-US" dirty="0" smtClean="0"/>
+              <a:t> is Chauvinistic</a:t>
+            </a:r>
+            <a:endParaRPr lang="en-US" dirty="0"/>
+          </a:p>
+        </p:txBody>
+      </p:sp>
+      <p:sp>
+        <p:nvSpPr>
+          <p:cNvPr id="3" name="Content Placeholder 2"/>
+          <p:cNvSpPr>
+            <a:spLocks noGrp="1"/>
+          </p:cNvSpPr>
+          <p:nvPr>
+            <p:ph idx="1"/>
+          </p:nvPr>
+        </p:nvSpPr>
+        <p:spPr/>
+        <p:txBody>
+          <a:bodyPr>
+            <a:normAutofit fontScale="55000" lnSpcReduction="20000"/>
+          </a:bodyPr>
+          <a:lstStyle/>
+          <a:p>
+            <a:r>
+              <a:rPr lang="en-US" dirty="0" smtClean="0"/>
+              <a:t>Chauvinism  denies </a:t>
+            </a:r>
+            <a:r>
+              <a:rPr lang="en-US" dirty="0"/>
+              <a:t>mental states to </a:t>
+            </a:r>
+            <a:r>
+              <a:rPr lang="en-US" dirty="0" smtClean="0"/>
+              <a:t>things that intuitively have them.</a:t>
+            </a:r>
+          </a:p>
+          <a:p>
+            <a:r>
+              <a:rPr lang="en-US" dirty="0" smtClean="0"/>
+              <a:t>Imagine  </a:t>
+            </a:r>
+            <a:r>
+              <a:rPr lang="en-US" dirty="0"/>
+              <a:t>Martians who </a:t>
+            </a:r>
+            <a:r>
+              <a:rPr lang="en-US" dirty="0" smtClean="0"/>
+              <a:t>appear the same as </a:t>
+            </a:r>
+            <a:r>
+              <a:rPr lang="en-US" dirty="0"/>
+              <a:t>us in all </a:t>
+            </a:r>
+            <a:r>
+              <a:rPr lang="en-US" dirty="0" smtClean="0"/>
+              <a:t>functional ways </a:t>
+            </a:r>
+            <a:r>
+              <a:rPr lang="en-US" dirty="0"/>
+              <a:t>but </a:t>
+            </a:r>
+            <a:r>
+              <a:rPr lang="en-US" dirty="0" smtClean="0"/>
+              <a:t>differ in </a:t>
+            </a:r>
+            <a:r>
+              <a:rPr lang="en-US" dirty="0"/>
+              <a:t>terms of their underlying cognitive </a:t>
+            </a:r>
+            <a:r>
+              <a:rPr lang="en-US" dirty="0" smtClean="0"/>
+              <a:t>mechanisms.</a:t>
+            </a:r>
+            <a:endParaRPr lang="en-US" dirty="0"/>
+          </a:p>
+          <a:p>
+            <a:r>
+              <a:rPr lang="en-US" dirty="0" smtClean="0"/>
+              <a:t>“We </a:t>
+            </a:r>
+            <a:r>
+              <a:rPr lang="en-US" dirty="0"/>
+              <a:t>develop extensive cultural and commercial intercourse with [the Martians]. We study each other’s science and philosophy journals, go to each other’s movies, read each other’s novels, etc. Then Martian and </a:t>
+            </a:r>
+            <a:r>
+              <a:rPr lang="en-US" dirty="0" err="1"/>
+              <a:t>Earthian</a:t>
+            </a:r>
+            <a:r>
+              <a:rPr lang="en-US" dirty="0"/>
+              <a:t> psychologists compare notes, only to find that in underlying psychology, Martians and </a:t>
+            </a:r>
+            <a:r>
+              <a:rPr lang="en-US" dirty="0" err="1"/>
+              <a:t>Earthians</a:t>
+            </a:r>
+            <a:r>
+              <a:rPr lang="en-US" dirty="0"/>
+              <a:t> are very different… Imagine that what Martian and </a:t>
+            </a:r>
+            <a:r>
+              <a:rPr lang="en-US" dirty="0" err="1"/>
+              <a:t>Earthian</a:t>
+            </a:r>
+            <a:r>
+              <a:rPr lang="en-US" dirty="0"/>
+              <a:t> psychologists find when they compare notes is that Martians and </a:t>
+            </a:r>
+            <a:r>
+              <a:rPr lang="en-US" dirty="0" err="1"/>
+              <a:t>Earthians</a:t>
+            </a:r>
+            <a:r>
+              <a:rPr lang="en-US" dirty="0"/>
+              <a:t> differ as if they were the end products of maximally different design choices (compatible with rough functional equivalence in adults). Should we reject our assumption that Martians can enjoy our films, believe their own apparent scientific results, etc.?… Surely there are many ways of filling in the Martian/</a:t>
+            </a:r>
+            <a:r>
+              <a:rPr lang="en-US" dirty="0" err="1"/>
+              <a:t>Earthian</a:t>
+            </a:r>
+            <a:r>
+              <a:rPr lang="en-US" dirty="0"/>
+              <a:t> difference I sketched on which it would be perfectly clear that even if Martians behave differently from us on subtle psychological experiments, they nonetheless think, desire, enjoy, etc. To suppose otherwise would be crude human chauvinism. </a:t>
+            </a:r>
+            <a:r>
+              <a:rPr lang="en-US" dirty="0" smtClean="0"/>
+              <a:t>“</a:t>
+            </a:r>
+            <a:endParaRPr lang="en-US" dirty="0"/>
+          </a:p>
+          <a:p>
+            <a:endParaRPr lang="en-US" dirty="0"/>
+          </a:p>
+        </p:txBody>
+      </p:sp>
+    </p:spTree>
+    <p:extLst>
+      <p:ext uri="{BB962C8B-B14F-4D97-AF65-F5344CB8AC3E}">
+        <p14:creationId xmlns:p14="http://schemas.microsoft.com/office/powerpoint/2010/main" val="296240450"/>
+      </p:ext>
+    </p:extLst>
+  </p:cSld>
+  <p:clrMapOvr>
+    <a:masterClrMapping/>
+  </p:clrMapOvr>
+  <p:timing>
+    <p:tnLst>
+      <p:par>
+        <p:cTn id="1" dur="indefinite" restart="never" nodeType="tmRoot"/>
+      </p:par>
+    </p:tnLst>
+  </p:timing>
+</p:sld>
+</file>
+
+<file path=ppt/slides/slide29.xml><?xml version="1.0" encoding="utf-8"?>
+<p:sld xmlns:a="http://schemas.openxmlformats.org/drawingml/2006/main" xmlns:r="http://schemas.openxmlformats.org/officeDocument/2006/relationships" xmlns:p="http://schemas.openxmlformats.org/presentationml/2006/main">
+  <p:cSld>
+    <p:spTree>
+      <p:nvGrpSpPr>
+        <p:cNvPr id="1" name=""/>
+        <p:cNvGrpSpPr/>
+        <p:nvPr/>
+      </p:nvGrpSpPr>
+      <p:grpSpPr>
+        <a:xfrm>
+          <a:off x="0" y="0"/>
+          <a:ext cx="0" cy="0"/>
+          <a:chOff x="0" y="0"/>
+          <a:chExt cx="0" cy="0"/>
+        </a:xfrm>
+      </p:grpSpPr>
+      <p:sp>
+        <p:nvSpPr>
+          <p:cNvPr id="2" name="Title 1"/>
+          <p:cNvSpPr>
+            <a:spLocks noGrp="1"/>
+          </p:cNvSpPr>
+          <p:nvPr>
+            <p:ph type="title"/>
+          </p:nvPr>
+        </p:nvSpPr>
+        <p:spPr/>
+        <p:txBody>
+          <a:bodyPr/>
+          <a:lstStyle/>
+          <a:p>
+            <a:r>
+              <a:rPr lang="en-US" dirty="0" smtClean="0"/>
+              <a:t>What to do?</a:t>
+            </a:r>
+            <a:endParaRPr lang="en-US" dirty="0"/>
+          </a:p>
+        </p:txBody>
+      </p:sp>
+      <p:sp>
+        <p:nvSpPr>
+          <p:cNvPr id="3" name="Content Placeholder 2"/>
+          <p:cNvSpPr>
+            <a:spLocks noGrp="1"/>
+          </p:cNvSpPr>
+          <p:nvPr>
+            <p:ph idx="1"/>
+          </p:nvPr>
+        </p:nvSpPr>
+        <p:spPr/>
+        <p:txBody>
+          <a:bodyPr>
+            <a:normAutofit fontScale="85000" lnSpcReduction="10000"/>
+          </a:bodyPr>
+          <a:lstStyle/>
+          <a:p>
+            <a:pPr marL="0" indent="0">
+              <a:buNone/>
+            </a:pPr>
+            <a:r>
+              <a:rPr lang="en-US" dirty="0" smtClean="0"/>
+              <a:t>Can we consider the domain of psychology to include all creatures with mentality, including Martians who are not </a:t>
+            </a:r>
+            <a:r>
+              <a:rPr lang="en-US" dirty="0" err="1" smtClean="0"/>
+              <a:t>psychofunctionally</a:t>
+            </a:r>
+            <a:r>
+              <a:rPr lang="en-US" dirty="0" smtClean="0"/>
+              <a:t> equivalent to us? </a:t>
+            </a:r>
+          </a:p>
+          <a:p>
+            <a:pPr marL="0" indent="0">
+              <a:buNone/>
+            </a:pPr>
+            <a:r>
+              <a:rPr lang="en-US" dirty="0" smtClean="0"/>
+              <a:t>Can we define “</a:t>
+            </a:r>
+            <a:r>
+              <a:rPr lang="en-US" dirty="0" err="1" smtClean="0"/>
+              <a:t>psychofuntionalism</a:t>
+            </a:r>
+            <a:r>
+              <a:rPr lang="en-US" dirty="0" smtClean="0"/>
+              <a:t>” in terms of “universal” or “cross system” psychology, rather than human psychology?</a:t>
+            </a:r>
+          </a:p>
+          <a:p>
+            <a:pPr marL="0" indent="0">
+              <a:buNone/>
+            </a:pPr>
+            <a:r>
+              <a:rPr lang="en-US" dirty="0" smtClean="0"/>
+              <a:t>Can we develop a science of mentality that would encompass all creatures with mentality regardless of the functional mechanisms in which mentality is realized?</a:t>
+            </a:r>
+          </a:p>
+          <a:p>
+            <a:pPr marL="0" indent="0">
+              <a:buNone/>
+            </a:pPr>
+            <a:r>
+              <a:rPr lang="en-US" dirty="0" smtClean="0"/>
+              <a:t>Summary of argument at end of Section 3.0</a:t>
+            </a:r>
+            <a:endParaRPr lang="en-US" dirty="0"/>
+          </a:p>
+        </p:txBody>
+      </p:sp>
+    </p:spTree>
+    <p:extLst>
+      <p:ext uri="{BB962C8B-B14F-4D97-AF65-F5344CB8AC3E}">
+        <p14:creationId xmlns:p14="http://schemas.microsoft.com/office/powerpoint/2010/main" val="3006740129"/>
+      </p:ext>
+    </p:extLst>
+  </p:cSld>
+  <p:clrMapOvr>
+    <a:masterClrMapping/>
+  </p:clrMapOvr>
+  <p:timing>
+    <p:tnLst>
+      <p:par>
+        <p:cTn id="1" dur="indefinite" restart="never" nodeType="tmRoot"/>
+      </p:par>
+    </p:tnLst>
+  </p:timing>
 </p:sld>
 </file>
 
@@ -4917,6 +6115,662 @@
   <p:clrMapOvr>
     <a:masterClrMapping/>
   </p:clrMapOvr>
+</p:sld>
+</file>
+
+<file path=ppt/slides/slide30.xml><?xml version="1.0" encoding="utf-8"?>
+<p:sld xmlns:a="http://schemas.openxmlformats.org/drawingml/2006/main" xmlns:r="http://schemas.openxmlformats.org/officeDocument/2006/relationships" xmlns:p="http://schemas.openxmlformats.org/presentationml/2006/main">
+  <p:cSld>
+    <p:spTree>
+      <p:nvGrpSpPr>
+        <p:cNvPr id="1" name=""/>
+        <p:cNvGrpSpPr/>
+        <p:nvPr/>
+      </p:nvGrpSpPr>
+      <p:grpSpPr>
+        <a:xfrm>
+          <a:off x="0" y="0"/>
+          <a:ext cx="0" cy="0"/>
+          <a:chOff x="0" y="0"/>
+          <a:chExt cx="0" cy="0"/>
+        </a:xfrm>
+      </p:grpSpPr>
+      <p:sp>
+        <p:nvSpPr>
+          <p:cNvPr id="2" name="Title 1"/>
+          <p:cNvSpPr>
+            <a:spLocks noGrp="1"/>
+          </p:cNvSpPr>
+          <p:nvPr>
+            <p:ph type="title"/>
+          </p:nvPr>
+        </p:nvSpPr>
+        <p:spPr/>
+        <p:txBody>
+          <a:bodyPr>
+            <a:noAutofit/>
+          </a:bodyPr>
+          <a:lstStyle/>
+          <a:p>
+            <a:r>
+              <a:rPr lang="en-US" sz="3600" dirty="0" smtClean="0"/>
+              <a:t>Block: Additional Problems for Functionalism</a:t>
+            </a:r>
+            <a:endParaRPr lang="en-US" sz="3600" dirty="0"/>
+          </a:p>
+        </p:txBody>
+      </p:sp>
+      <p:sp>
+        <p:nvSpPr>
+          <p:cNvPr id="3" name="Content Placeholder 2"/>
+          <p:cNvSpPr>
+            <a:spLocks noGrp="1"/>
+          </p:cNvSpPr>
+          <p:nvPr>
+            <p:ph idx="1"/>
+          </p:nvPr>
+        </p:nvSpPr>
+        <p:spPr/>
+        <p:txBody>
+          <a:bodyPr/>
+          <a:lstStyle/>
+          <a:p>
+            <a:pPr marL="0" indent="0">
+              <a:buNone/>
+            </a:pPr>
+            <a:r>
+              <a:rPr lang="en-US" dirty="0" smtClean="0"/>
+              <a:t>1. Common sense functionalists specify input in terms of sensory input and output in terms of behavior and mental states in terms of their causal relations to such inputs and output. But then no system without such input and output could have mental states.  Do we really want to say that creatures without our type of sensory input and output could not have mental states?</a:t>
+            </a:r>
+          </a:p>
+          <a:p>
+            <a:pPr marL="0" indent="0">
+              <a:buNone/>
+            </a:pPr>
+            <a:endParaRPr lang="en-US" dirty="0"/>
+          </a:p>
+        </p:txBody>
+      </p:sp>
+    </p:spTree>
+    <p:extLst>
+      <p:ext uri="{BB962C8B-B14F-4D97-AF65-F5344CB8AC3E}">
+        <p14:creationId xmlns:p14="http://schemas.microsoft.com/office/powerpoint/2010/main" val="3309237549"/>
+      </p:ext>
+    </p:extLst>
+  </p:cSld>
+  <p:clrMapOvr>
+    <a:masterClrMapping/>
+  </p:clrMapOvr>
+  <p:timing>
+    <p:tnLst>
+      <p:par>
+        <p:cTn id="1" dur="indefinite" restart="never" nodeType="tmRoot"/>
+      </p:par>
+    </p:tnLst>
+  </p:timing>
+</p:sld>
+</file>
+
+<file path=ppt/slides/slide31.xml><?xml version="1.0" encoding="utf-8"?>
+<p:sld xmlns:a="http://schemas.openxmlformats.org/drawingml/2006/main" xmlns:r="http://schemas.openxmlformats.org/officeDocument/2006/relationships" xmlns:p="http://schemas.openxmlformats.org/presentationml/2006/main">
+  <p:cSld>
+    <p:spTree>
+      <p:nvGrpSpPr>
+        <p:cNvPr id="1" name=""/>
+        <p:cNvGrpSpPr/>
+        <p:nvPr/>
+      </p:nvGrpSpPr>
+      <p:grpSpPr>
+        <a:xfrm>
+          <a:off x="0" y="0"/>
+          <a:ext cx="0" cy="0"/>
+          <a:chOff x="0" y="0"/>
+          <a:chExt cx="0" cy="0"/>
+        </a:xfrm>
+      </p:grpSpPr>
+      <p:sp>
+        <p:nvSpPr>
+          <p:cNvPr id="2" name="Title 1"/>
+          <p:cNvSpPr>
+            <a:spLocks noGrp="1"/>
+          </p:cNvSpPr>
+          <p:nvPr>
+            <p:ph type="title"/>
+          </p:nvPr>
+        </p:nvSpPr>
+        <p:spPr/>
+        <p:txBody>
+          <a:bodyPr>
+            <a:noAutofit/>
+          </a:bodyPr>
+          <a:lstStyle/>
+          <a:p>
+            <a:r>
+              <a:rPr lang="en-US" sz="3600" dirty="0"/>
+              <a:t>Block: Additional Problems for </a:t>
+            </a:r>
+            <a:r>
+              <a:rPr lang="en-US" sz="3600" dirty="0" smtClean="0"/>
+              <a:t>Functionalism</a:t>
+            </a:r>
+            <a:endParaRPr lang="en-US" sz="3600" dirty="0"/>
+          </a:p>
+        </p:txBody>
+      </p:sp>
+      <p:sp>
+        <p:nvSpPr>
+          <p:cNvPr id="3" name="Content Placeholder 2"/>
+          <p:cNvSpPr>
+            <a:spLocks noGrp="1"/>
+          </p:cNvSpPr>
+          <p:nvPr>
+            <p:ph idx="1"/>
+          </p:nvPr>
+        </p:nvSpPr>
+        <p:spPr/>
+        <p:txBody>
+          <a:bodyPr/>
+          <a:lstStyle/>
+          <a:p>
+            <a:pPr marL="0" indent="0">
+              <a:buNone/>
+            </a:pPr>
+            <a:r>
+              <a:rPr lang="en-US" dirty="0" smtClean="0"/>
+              <a:t>2. </a:t>
+            </a:r>
+            <a:r>
+              <a:rPr lang="en-US" dirty="0" err="1" smtClean="0"/>
+              <a:t>Psychofunctionalists</a:t>
+            </a:r>
+            <a:r>
+              <a:rPr lang="en-US" dirty="0" smtClean="0"/>
+              <a:t> specify </a:t>
+            </a:r>
+            <a:r>
+              <a:rPr lang="en-US" dirty="0"/>
+              <a:t>input </a:t>
+            </a:r>
+            <a:r>
+              <a:rPr lang="en-US" dirty="0" smtClean="0"/>
+              <a:t>and </a:t>
+            </a:r>
+            <a:r>
+              <a:rPr lang="en-US" dirty="0"/>
+              <a:t>output in terms of </a:t>
+            </a:r>
+            <a:r>
+              <a:rPr lang="en-US" dirty="0" smtClean="0"/>
+              <a:t>human neural activity and mental </a:t>
+            </a:r>
+            <a:r>
+              <a:rPr lang="en-US" dirty="0"/>
+              <a:t>states in terms of their causal relations to such inputs and output. But then no system without </a:t>
+            </a:r>
+            <a:r>
+              <a:rPr lang="en-US" dirty="0" smtClean="0"/>
+              <a:t> such neural input </a:t>
+            </a:r>
+            <a:r>
+              <a:rPr lang="en-US" dirty="0"/>
+              <a:t>and output could have </a:t>
+            </a:r>
+            <a:r>
+              <a:rPr lang="en-US" dirty="0" smtClean="0"/>
+              <a:t>the kind of mental states that we have.  </a:t>
+            </a:r>
+            <a:r>
+              <a:rPr lang="en-US" dirty="0"/>
+              <a:t>Do we really want to say that creatures without our type of </a:t>
+            </a:r>
+            <a:r>
+              <a:rPr lang="en-US" dirty="0" smtClean="0"/>
+              <a:t>neural input </a:t>
+            </a:r>
+            <a:r>
+              <a:rPr lang="en-US" dirty="0"/>
+              <a:t>and output could not have </a:t>
+            </a:r>
+            <a:r>
+              <a:rPr lang="en-US" dirty="0" smtClean="0"/>
+              <a:t>the kind of mental states that we have?</a:t>
+            </a:r>
+            <a:endParaRPr lang="en-US" dirty="0"/>
+          </a:p>
+          <a:p>
+            <a:pPr marL="0" indent="0">
+              <a:buNone/>
+            </a:pPr>
+            <a:endParaRPr lang="en-US" dirty="0"/>
+          </a:p>
+        </p:txBody>
+      </p:sp>
+    </p:spTree>
+    <p:extLst>
+      <p:ext uri="{BB962C8B-B14F-4D97-AF65-F5344CB8AC3E}">
+        <p14:creationId xmlns:p14="http://schemas.microsoft.com/office/powerpoint/2010/main" val="2070979446"/>
+      </p:ext>
+    </p:extLst>
+  </p:cSld>
+  <p:clrMapOvr>
+    <a:masterClrMapping/>
+  </p:clrMapOvr>
+  <p:timing>
+    <p:tnLst>
+      <p:par>
+        <p:cTn id="1" dur="indefinite" restart="never" nodeType="tmRoot"/>
+      </p:par>
+    </p:tnLst>
+  </p:timing>
+</p:sld>
+</file>
+
+<file path=ppt/slides/slide32.xml><?xml version="1.0" encoding="utf-8"?>
+<p:sld xmlns:a="http://schemas.openxmlformats.org/drawingml/2006/main" xmlns:r="http://schemas.openxmlformats.org/officeDocument/2006/relationships" xmlns:p="http://schemas.openxmlformats.org/presentationml/2006/main">
+  <p:cSld>
+    <p:spTree>
+      <p:nvGrpSpPr>
+        <p:cNvPr id="1" name=""/>
+        <p:cNvGrpSpPr/>
+        <p:nvPr/>
+      </p:nvGrpSpPr>
+      <p:grpSpPr>
+        <a:xfrm>
+          <a:off x="0" y="0"/>
+          <a:ext cx="0" cy="0"/>
+          <a:chOff x="0" y="0"/>
+          <a:chExt cx="0" cy="0"/>
+        </a:xfrm>
+      </p:grpSpPr>
+      <p:sp>
+        <p:nvSpPr>
+          <p:cNvPr id="2" name="Title 1"/>
+          <p:cNvSpPr>
+            <a:spLocks noGrp="1"/>
+          </p:cNvSpPr>
+          <p:nvPr>
+            <p:ph type="title"/>
+          </p:nvPr>
+        </p:nvSpPr>
+        <p:spPr/>
+        <p:txBody>
+          <a:bodyPr>
+            <a:normAutofit fontScale="90000"/>
+          </a:bodyPr>
+          <a:lstStyle/>
+          <a:p>
+            <a:r>
+              <a:rPr lang="en-US" dirty="0"/>
+              <a:t>Block: Additional Problems for Functionalism</a:t>
+            </a:r>
+          </a:p>
+        </p:txBody>
+      </p:sp>
+      <p:sp>
+        <p:nvSpPr>
+          <p:cNvPr id="3" name="Content Placeholder 2"/>
+          <p:cNvSpPr>
+            <a:spLocks noGrp="1"/>
+          </p:cNvSpPr>
+          <p:nvPr>
+            <p:ph idx="1"/>
+          </p:nvPr>
+        </p:nvSpPr>
+        <p:spPr/>
+        <p:txBody>
+          <a:bodyPr>
+            <a:normAutofit lnSpcReduction="10000"/>
+          </a:bodyPr>
+          <a:lstStyle/>
+          <a:p>
+            <a:pPr marL="0" indent="0">
+              <a:buNone/>
+            </a:pPr>
+            <a:r>
+              <a:rPr lang="en-US" dirty="0" smtClean="0"/>
+              <a:t>3. Can functionalists characterize inputs and outputs in more abstract terms and leave open what the inputs and outputs are intrinsically like? So, two systems would be functionally equivalent if they had isomorphic inputs, outputs, and internal states that were causally related to those input and outputs?  </a:t>
+            </a:r>
+            <a:endParaRPr lang="en-US" dirty="0"/>
+          </a:p>
+          <a:p>
+            <a:pPr marL="0" indent="0">
+              <a:buNone/>
+            </a:pPr>
+            <a:r>
+              <a:rPr lang="en-US" dirty="0" smtClean="0"/>
+              <a:t>Block: No.  Such a version of functionalism would then be wildly liberal. </a:t>
+            </a:r>
+          </a:p>
+        </p:txBody>
+      </p:sp>
+    </p:spTree>
+    <p:extLst>
+      <p:ext uri="{BB962C8B-B14F-4D97-AF65-F5344CB8AC3E}">
+        <p14:creationId xmlns:p14="http://schemas.microsoft.com/office/powerpoint/2010/main" val="1711699883"/>
+      </p:ext>
+    </p:extLst>
+  </p:cSld>
+  <p:clrMapOvr>
+    <a:masterClrMapping/>
+  </p:clrMapOvr>
+  <p:timing>
+    <p:tnLst>
+      <p:par>
+        <p:cTn id="1" dur="indefinite" restart="never" nodeType="tmRoot"/>
+      </p:par>
+    </p:tnLst>
+  </p:timing>
+</p:sld>
+</file>
+
+<file path=ppt/slides/slide33.xml><?xml version="1.0" encoding="utf-8"?>
+<p:sld xmlns:a="http://schemas.openxmlformats.org/drawingml/2006/main" xmlns:r="http://schemas.openxmlformats.org/officeDocument/2006/relationships" xmlns:p="http://schemas.openxmlformats.org/presentationml/2006/main">
+  <p:cSld>
+    <p:spTree>
+      <p:nvGrpSpPr>
+        <p:cNvPr id="1" name=""/>
+        <p:cNvGrpSpPr/>
+        <p:nvPr/>
+      </p:nvGrpSpPr>
+      <p:grpSpPr>
+        <a:xfrm>
+          <a:off x="0" y="0"/>
+          <a:ext cx="0" cy="0"/>
+          <a:chOff x="0" y="0"/>
+          <a:chExt cx="0" cy="0"/>
+        </a:xfrm>
+      </p:grpSpPr>
+      <p:sp>
+        <p:nvSpPr>
+          <p:cNvPr id="2" name="Title 1"/>
+          <p:cNvSpPr>
+            <a:spLocks noGrp="1"/>
+          </p:cNvSpPr>
+          <p:nvPr>
+            <p:ph type="title"/>
+          </p:nvPr>
+        </p:nvSpPr>
+        <p:spPr/>
+        <p:txBody>
+          <a:bodyPr/>
+          <a:lstStyle/>
+          <a:p>
+            <a:r>
+              <a:rPr lang="en-US" i="1" dirty="0" err="1" smtClean="0"/>
+              <a:t>Reductio</a:t>
+            </a:r>
+            <a:r>
+              <a:rPr lang="en-US" i="1" dirty="0" smtClean="0"/>
+              <a:t> ad absurdum</a:t>
+            </a:r>
+            <a:endParaRPr lang="en-US" i="1" dirty="0"/>
+          </a:p>
+        </p:txBody>
+      </p:sp>
+      <p:sp>
+        <p:nvSpPr>
+          <p:cNvPr id="3" name="Content Placeholder 2"/>
+          <p:cNvSpPr>
+            <a:spLocks noGrp="1"/>
+          </p:cNvSpPr>
+          <p:nvPr>
+            <p:ph idx="1"/>
+          </p:nvPr>
+        </p:nvSpPr>
+        <p:spPr/>
+        <p:txBody>
+          <a:bodyPr>
+            <a:normAutofit fontScale="70000" lnSpcReduction="20000"/>
+          </a:bodyPr>
+          <a:lstStyle/>
+          <a:p>
+            <a:pPr marL="0" indent="0">
+              <a:buNone/>
+            </a:pPr>
+            <a:r>
+              <a:rPr lang="en-US" b="1" dirty="0" smtClean="0"/>
+              <a:t>Block’s example: </a:t>
+            </a:r>
+            <a:r>
+              <a:rPr lang="en-US" dirty="0" smtClean="0"/>
+              <a:t> </a:t>
+            </a:r>
+            <a:r>
+              <a:rPr lang="en-US" dirty="0"/>
+              <a:t>Economic systems have inputs and outputs, e.g., influx and </a:t>
+            </a:r>
+            <a:r>
+              <a:rPr lang="en-US" dirty="0" err="1"/>
+              <a:t>outflux</a:t>
+            </a:r>
+            <a:r>
+              <a:rPr lang="en-US" dirty="0"/>
+              <a:t> of credits and debits. And economic systems also have a rich variety of internal states, e.g., having a rate of increase of GNP equal to double the Prime Rate. It does not seem impossible that a wealthy sheik could gain control of the economy of a small country, e.g., Bolivia, and manipulate its financial system to make it functionally equivalent to a person, e.g., himself. If this seems implausible, remember that the economic states, inputs, and outputs designated by the sheik to correspond to his mental state, inputs, and outputs, need not be “natural” economic magnitudes… The mapping from psychological magnitudes to economic magnitudes could be as bizarre as the sheik requires</a:t>
+            </a:r>
+            <a:r>
+              <a:rPr lang="en-US" dirty="0" smtClean="0"/>
+              <a:t>.</a:t>
+            </a:r>
+          </a:p>
+          <a:p>
+            <a:pPr marL="0" indent="0">
+              <a:buNone/>
+            </a:pPr>
+            <a:endParaRPr lang="en-US" dirty="0" smtClean="0"/>
+          </a:p>
+          <a:p>
+            <a:pPr marL="0" indent="0">
+              <a:buNone/>
+            </a:pPr>
+            <a:r>
+              <a:rPr lang="en-US" dirty="0" smtClean="0"/>
+              <a:t>Block: Clearly, the economy of Bolivia cannot have any mental states. </a:t>
+            </a:r>
+          </a:p>
+          <a:p>
+            <a:pPr marL="0" indent="0">
+              <a:buNone/>
+            </a:pPr>
+            <a:endParaRPr lang="en-US" dirty="0"/>
+          </a:p>
+          <a:p>
+            <a:pPr marL="0" indent="0">
+              <a:buNone/>
+            </a:pPr>
+            <a:endParaRPr lang="en-US" dirty="0" smtClean="0"/>
+          </a:p>
+        </p:txBody>
+      </p:sp>
+    </p:spTree>
+    <p:extLst>
+      <p:ext uri="{BB962C8B-B14F-4D97-AF65-F5344CB8AC3E}">
+        <p14:creationId xmlns:p14="http://schemas.microsoft.com/office/powerpoint/2010/main" val="3417857122"/>
+      </p:ext>
+    </p:extLst>
+  </p:cSld>
+  <p:clrMapOvr>
+    <a:masterClrMapping/>
+  </p:clrMapOvr>
+  <p:timing>
+    <p:tnLst>
+      <p:par>
+        <p:cTn id="1" dur="indefinite" restart="never" nodeType="tmRoot"/>
+      </p:par>
+    </p:tnLst>
+  </p:timing>
+</p:sld>
+</file>
+
+<file path=ppt/slides/slide34.xml><?xml version="1.0" encoding="utf-8"?>
+<p:sld xmlns:a="http://schemas.openxmlformats.org/drawingml/2006/main" xmlns:r="http://schemas.openxmlformats.org/officeDocument/2006/relationships" xmlns:p="http://schemas.openxmlformats.org/presentationml/2006/main">
+  <p:cSld>
+    <p:spTree>
+      <p:nvGrpSpPr>
+        <p:cNvPr id="1" name=""/>
+        <p:cNvGrpSpPr/>
+        <p:nvPr/>
+      </p:nvGrpSpPr>
+      <p:grpSpPr>
+        <a:xfrm>
+          <a:off x="0" y="0"/>
+          <a:ext cx="0" cy="0"/>
+          <a:chOff x="0" y="0"/>
+          <a:chExt cx="0" cy="0"/>
+        </a:xfrm>
+      </p:grpSpPr>
+      <p:sp>
+        <p:nvSpPr>
+          <p:cNvPr id="2" name="Title 1"/>
+          <p:cNvSpPr>
+            <a:spLocks noGrp="1"/>
+          </p:cNvSpPr>
+          <p:nvPr>
+            <p:ph type="title"/>
+          </p:nvPr>
+        </p:nvSpPr>
+        <p:spPr/>
+        <p:txBody>
+          <a:bodyPr>
+            <a:normAutofit fontScale="90000"/>
+          </a:bodyPr>
+          <a:lstStyle/>
+          <a:p>
+            <a:r>
+              <a:rPr lang="en-US" dirty="0"/>
+              <a:t>Frank Jackson: </a:t>
+            </a:r>
+            <a:br>
+              <a:rPr lang="en-US" dirty="0"/>
+            </a:br>
+            <a:r>
+              <a:rPr lang="en-US" dirty="0"/>
+              <a:t>What Mary Didn’t’ Know</a:t>
+            </a:r>
+          </a:p>
+        </p:txBody>
+      </p:sp>
+      <p:sp>
+        <p:nvSpPr>
+          <p:cNvPr id="3" name="Content Placeholder 2"/>
+          <p:cNvSpPr>
+            <a:spLocks noGrp="1"/>
+          </p:cNvSpPr>
+          <p:nvPr>
+            <p:ph idx="1"/>
+          </p:nvPr>
+        </p:nvSpPr>
+        <p:spPr/>
+        <p:txBody>
+          <a:bodyPr/>
+          <a:lstStyle/>
+          <a:p>
+            <a:endParaRPr lang="en-US"/>
+          </a:p>
+        </p:txBody>
+      </p:sp>
+    </p:spTree>
+    <p:extLst>
+      <p:ext uri="{BB962C8B-B14F-4D97-AF65-F5344CB8AC3E}">
+        <p14:creationId xmlns:p14="http://schemas.microsoft.com/office/powerpoint/2010/main" val="204420822"/>
+      </p:ext>
+    </p:extLst>
+  </p:cSld>
+  <p:clrMapOvr>
+    <a:masterClrMapping/>
+  </p:clrMapOvr>
+  <p:timing>
+    <p:tnLst>
+      <p:par>
+        <p:cTn id="1" dur="indefinite" restart="never" nodeType="tmRoot"/>
+      </p:par>
+    </p:tnLst>
+  </p:timing>
+</p:sld>
+</file>
+
+<file path=ppt/slides/slide35.xml><?xml version="1.0" encoding="utf-8"?>
+<p:sld xmlns:a="http://schemas.openxmlformats.org/drawingml/2006/main" xmlns:r="http://schemas.openxmlformats.org/officeDocument/2006/relationships" xmlns:p="http://schemas.openxmlformats.org/presentationml/2006/main">
+  <p:cSld>
+    <p:spTree>
+      <p:nvGrpSpPr>
+        <p:cNvPr id="1" name=""/>
+        <p:cNvGrpSpPr/>
+        <p:nvPr/>
+      </p:nvGrpSpPr>
+      <p:grpSpPr>
+        <a:xfrm>
+          <a:off x="0" y="0"/>
+          <a:ext cx="0" cy="0"/>
+          <a:chOff x="0" y="0"/>
+          <a:chExt cx="0" cy="0"/>
+        </a:xfrm>
+      </p:grpSpPr>
+      <p:sp>
+        <p:nvSpPr>
+          <p:cNvPr id="2" name="Title 1"/>
+          <p:cNvSpPr>
+            <a:spLocks noGrp="1"/>
+          </p:cNvSpPr>
+          <p:nvPr>
+            <p:ph type="title"/>
+          </p:nvPr>
+        </p:nvSpPr>
+        <p:spPr/>
+        <p:txBody>
+          <a:bodyPr>
+            <a:normAutofit fontScale="90000"/>
+          </a:bodyPr>
+          <a:lstStyle/>
+          <a:p>
+            <a:r>
+              <a:rPr lang="en-US" dirty="0"/>
+              <a:t>John Searle: The Chinese Room and the Problem of Intentionality</a:t>
+            </a:r>
+          </a:p>
+        </p:txBody>
+      </p:sp>
+      <p:sp>
+        <p:nvSpPr>
+          <p:cNvPr id="3" name="Content Placeholder 2"/>
+          <p:cNvSpPr>
+            <a:spLocks noGrp="1"/>
+          </p:cNvSpPr>
+          <p:nvPr>
+            <p:ph idx="1"/>
+          </p:nvPr>
+        </p:nvSpPr>
+        <p:spPr/>
+        <p:txBody>
+          <a:bodyPr/>
+          <a:lstStyle/>
+          <a:p>
+            <a:pPr marL="0" indent="0">
+              <a:buNone/>
+            </a:pPr>
+            <a:r>
+              <a:rPr lang="en-US" dirty="0"/>
+              <a:t>P. 146</a:t>
+            </a:r>
+          </a:p>
+        </p:txBody>
+      </p:sp>
+    </p:spTree>
+    <p:extLst>
+      <p:ext uri="{BB962C8B-B14F-4D97-AF65-F5344CB8AC3E}">
+        <p14:creationId xmlns:p14="http://schemas.microsoft.com/office/powerpoint/2010/main" val="2645205248"/>
+      </p:ext>
+    </p:extLst>
+  </p:cSld>
+  <p:clrMapOvr>
+    <a:masterClrMapping/>
+  </p:clrMapOvr>
+  <p:timing>
+    <p:tnLst>
+      <p:par>
+        <p:cTn id="1" dur="indefinite" restart="never" nodeType="tmRoot"/>
+      </p:par>
+    </p:tnLst>
+  </p:timing>
 </p:sld>
 </file>
 
